--- a/AsyncStuff/AsyncDemo/Slides.pptx
+++ b/AsyncStuff/AsyncDemo/Slides.pptx
@@ -203,7 +203,7 @@
             <a:fld id="{C5F6FB3E-46EA-4718-971F-AAD1CDC94C9B}" type="datetimeFigureOut">
               <a:rPr lang="pt-PT" smtClean="0"/>
               <a:pPr/>
-              <a:t>01-05-2011</a:t>
+              <a:t>02-05-2011</a:t>
             </a:fld>
             <a:endParaRPr lang="pt-PT"/>
           </a:p>
@@ -795,7 +795,7 @@
             <a:fld id="{990166D8-BE43-416A-864B-A1544A4A96DB}" type="datetimeFigureOut">
               <a:rPr lang="pt-PT" smtClean="0"/>
               <a:pPr/>
-              <a:t>01-05-2011</a:t>
+              <a:t>02-05-2011</a:t>
             </a:fld>
             <a:endParaRPr lang="pt-PT"/>
           </a:p>
@@ -1020,7 +1020,7 @@
             <a:fld id="{990166D8-BE43-416A-864B-A1544A4A96DB}" type="datetimeFigureOut">
               <a:rPr lang="pt-PT" smtClean="0"/>
               <a:pPr/>
-              <a:t>01-05-2011</a:t>
+              <a:t>02-05-2011</a:t>
             </a:fld>
             <a:endParaRPr lang="pt-PT"/>
           </a:p>
@@ -1302,7 +1302,7 @@
             <a:fld id="{990166D8-BE43-416A-864B-A1544A4A96DB}" type="datetimeFigureOut">
               <a:rPr lang="pt-PT" smtClean="0"/>
               <a:pPr/>
-              <a:t>01-05-2011</a:t>
+              <a:t>02-05-2011</a:t>
             </a:fld>
             <a:endParaRPr lang="pt-PT"/>
           </a:p>
@@ -1483,7 +1483,7 @@
             <a:fld id="{990166D8-BE43-416A-864B-A1544A4A96DB}" type="datetimeFigureOut">
               <a:rPr lang="pt-PT" smtClean="0"/>
               <a:pPr/>
-              <a:t>01-05-2011</a:t>
+              <a:t>02-05-2011</a:t>
             </a:fld>
             <a:endParaRPr lang="pt-PT"/>
           </a:p>
@@ -1838,7 +1838,7 @@
             <a:fld id="{990166D8-BE43-416A-864B-A1544A4A96DB}" type="datetimeFigureOut">
               <a:rPr lang="pt-PT" smtClean="0"/>
               <a:pPr/>
-              <a:t>01-05-2011</a:t>
+              <a:t>02-05-2011</a:t>
             </a:fld>
             <a:endParaRPr lang="pt-PT"/>
           </a:p>
@@ -2127,7 +2127,7 @@
             <a:fld id="{990166D8-BE43-416A-864B-A1544A4A96DB}" type="datetimeFigureOut">
               <a:rPr lang="pt-PT" smtClean="0"/>
               <a:pPr/>
-              <a:t>01-05-2011</a:t>
+              <a:t>02-05-2011</a:t>
             </a:fld>
             <a:endParaRPr lang="pt-PT"/>
           </a:p>
@@ -2551,7 +2551,7 @@
             <a:fld id="{990166D8-BE43-416A-864B-A1544A4A96DB}" type="datetimeFigureOut">
               <a:rPr lang="pt-PT" smtClean="0"/>
               <a:pPr/>
-              <a:t>01-05-2011</a:t>
+              <a:t>02-05-2011</a:t>
             </a:fld>
             <a:endParaRPr lang="pt-PT"/>
           </a:p>
@@ -2668,7 +2668,7 @@
             <a:fld id="{990166D8-BE43-416A-864B-A1544A4A96DB}" type="datetimeFigureOut">
               <a:rPr lang="pt-PT" smtClean="0"/>
               <a:pPr/>
-              <a:t>01-05-2011</a:t>
+              <a:t>02-05-2011</a:t>
             </a:fld>
             <a:endParaRPr lang="pt-PT"/>
           </a:p>
@@ -2760,7 +2760,7 @@
             <a:fld id="{990166D8-BE43-416A-864B-A1544A4A96DB}" type="datetimeFigureOut">
               <a:rPr lang="pt-PT" smtClean="0"/>
               <a:pPr/>
-              <a:t>01-05-2011</a:t>
+              <a:t>02-05-2011</a:t>
             </a:fld>
             <a:endParaRPr lang="pt-PT"/>
           </a:p>
@@ -3040,7 +3040,7 @@
             <a:fld id="{990166D8-BE43-416A-864B-A1544A4A96DB}" type="datetimeFigureOut">
               <a:rPr lang="pt-PT" smtClean="0"/>
               <a:pPr/>
-              <a:t>01-05-2011</a:t>
+              <a:t>02-05-2011</a:t>
             </a:fld>
             <a:endParaRPr lang="pt-PT"/>
           </a:p>
@@ -3403,7 +3403,7 @@
             <a:fld id="{990166D8-BE43-416A-864B-A1544A4A96DB}" type="datetimeFigureOut">
               <a:rPr lang="pt-PT" smtClean="0"/>
               <a:pPr/>
-              <a:t>01-05-2011</a:t>
+              <a:t>02-05-2011</a:t>
             </a:fld>
             <a:endParaRPr lang="pt-PT"/>
           </a:p>
@@ -3842,7 +3842,7 @@
             <a:fld id="{990166D8-BE43-416A-864B-A1544A4A96DB}" type="datetimeFigureOut">
               <a:rPr lang="pt-PT" smtClean="0"/>
               <a:pPr/>
-              <a:t>01-05-2011</a:t>
+              <a:t>02-05-2011</a:t>
             </a:fld>
             <a:endParaRPr lang="pt-PT"/>
           </a:p>
@@ -4406,9 +4406,17 @@
           <a:lstStyle/>
           <a:p>
             <a:r>
+              <a:rPr lang="pt-PT" dirty="0" smtClean="0"/>
+              <a:t>“</a:t>
+            </a:r>
+            <a:r>
               <a:rPr lang="pt-PT" dirty="0" err="1" smtClean="0"/>
               <a:t>Assincronizadores</a:t>
             </a:r>
+            <a:r>
+              <a:rPr lang="pt-PT" dirty="0" smtClean="0"/>
+              <a:t>”</a:t>
+            </a:r>
             <a:endParaRPr lang="pt-PT" dirty="0"/>
           </a:p>
         </p:txBody>
@@ -4425,8 +4433,8 @@
         </p:nvSpPr>
         <p:spPr>
           <a:xfrm>
-            <a:off x="467544" y="1772816"/>
-            <a:ext cx="8229600" cy="4625609"/>
+            <a:off x="467544" y="1772817"/>
+            <a:ext cx="8229600" cy="2736304"/>
           </a:xfrm>
         </p:spPr>
         <p:txBody>
@@ -4478,11 +4486,7 @@
             </a:r>
             <a:r>
               <a:rPr lang="pt-PT" sz="2000" dirty="0" err="1" smtClean="0"/>
-              <a:t>Async</a:t>
-            </a:r>
-            <a:r>
-              <a:rPr lang="pt-PT" sz="2000" dirty="0" err="1" smtClean="0"/>
-              <a:t>CountDownLatch</a:t>
+              <a:t>AsyncCountDownLatch</a:t>
             </a:r>
             <a:r>
               <a:rPr lang="pt-PT" sz="2000" dirty="0" smtClean="0"/>
@@ -4538,6 +4542,87 @@
             </a:r>
           </a:p>
           <a:p>
+            <a:endParaRPr lang="pt-PT" dirty="0"/>
+          </a:p>
+        </p:txBody>
+      </p:sp>
+      <p:sp>
+        <p:nvSpPr>
+          <p:cNvPr id="4" name="CaixaDeTexto 3"/>
+          <p:cNvSpPr txBox="1"/>
+          <p:nvPr/>
+        </p:nvSpPr>
+        <p:spPr>
+          <a:xfrm>
+            <a:off x="971600" y="4653136"/>
+            <a:ext cx="7488832" cy="923330"/>
+          </a:xfrm>
+          <a:prstGeom prst="rect">
+            <a:avLst/>
+          </a:prstGeom>
+          <a:noFill/>
+        </p:spPr>
+        <p:txBody>
+          <a:bodyPr wrap="square" rtlCol="0">
+            <a:spAutoFit/>
+          </a:bodyPr>
+          <a:lstStyle/>
+          <a:p>
+            <a:r>
+              <a:rPr lang="pt-PT" dirty="0" err="1" smtClean="0">
+                <a:solidFill>
+                  <a:srgbClr val="0070C0"/>
+                </a:solidFill>
+              </a:rPr>
+              <a:t>await</a:t>
+            </a:r>
+            <a:r>
+              <a:rPr lang="pt-PT" dirty="0" smtClean="0"/>
+              <a:t> </a:t>
+            </a:r>
+            <a:r>
+              <a:rPr lang="pt-PT" dirty="0" err="1" smtClean="0"/>
+              <a:t>countDownLatch</a:t>
+            </a:r>
+            <a:r>
+              <a:rPr lang="pt-PT" dirty="0" smtClean="0"/>
+              <a:t> </a:t>
+            </a:r>
+            <a:r>
+              <a:rPr lang="pt-PT" dirty="0" smtClean="0"/>
+              <a:t>  				.</a:t>
+            </a:r>
+            <a:r>
+              <a:rPr lang="pt-PT" dirty="0" err="1" smtClean="0"/>
+              <a:t>WithTimeout</a:t>
+            </a:r>
+            <a:r>
+              <a:rPr lang="pt-PT" dirty="0" smtClean="0"/>
+              <a:t>(1000)</a:t>
+            </a:r>
+            <a:br>
+              <a:rPr lang="pt-PT" dirty="0" smtClean="0"/>
+            </a:br>
+            <a:r>
+              <a:rPr lang="pt-PT" dirty="0" smtClean="0"/>
+              <a:t>	.</a:t>
+            </a:r>
+            <a:r>
+              <a:rPr lang="pt-PT" dirty="0" err="1" smtClean="0"/>
+              <a:t>WithCancellation</a:t>
+            </a:r>
+            <a:r>
+              <a:rPr lang="pt-PT" dirty="0" smtClean="0"/>
+              <a:t>(</a:t>
+            </a:r>
+            <a:r>
+              <a:rPr lang="pt-PT" dirty="0" err="1" smtClean="0"/>
+              <a:t>cancellationSource.Token</a:t>
+            </a:r>
+            <a:r>
+              <a:rPr lang="pt-PT" dirty="0" smtClean="0"/>
+              <a:t>);</a:t>
+            </a:r>
             <a:endParaRPr lang="pt-PT" dirty="0"/>
           </a:p>
         </p:txBody>
@@ -4617,115 +4702,155 @@
           <a:bodyPr/>
           <a:lstStyle/>
           <a:p>
-            <a:r>
-              <a:rPr lang="pt-PT" sz="2800" dirty="0" smtClean="0"/>
-              <a:t>Demo </a:t>
-            </a:r>
-            <a:r>
-              <a:rPr lang="pt-PT" sz="2800" dirty="0" smtClean="0"/>
-              <a:t>da apresentação</a:t>
+            <a:pPr>
+              <a:lnSpc>
+                <a:spcPct val="150000"/>
+              </a:lnSpc>
+            </a:pPr>
+            <a:r>
+              <a:rPr lang="pt-PT" sz="2400" dirty="0" smtClean="0"/>
+              <a:t>Demo da apresentação</a:t>
             </a:r>
             <a:br>
-              <a:rPr lang="pt-PT" sz="2800" dirty="0" smtClean="0"/>
+              <a:rPr lang="pt-PT" sz="2400" dirty="0" smtClean="0"/>
             </a:br>
             <a:r>
-              <a:rPr lang="pt-PT" sz="2000" dirty="0" smtClean="0">
+              <a:rPr lang="pt-PT" sz="1800" dirty="0" smtClean="0">
                 <a:hlinkClick r:id="rId2"/>
               </a:rPr>
-              <a:t>https://</a:t>
-            </a:r>
-            <a:r>
-              <a:rPr lang="pt-PT" sz="2000" dirty="0" smtClean="0">
-                <a:hlinkClick r:id="rId2"/>
-              </a:rPr>
-              <a:t>github.com/DVDPT/Programmatically-Speaking-Repository/tree/master/AsyncStuff/AsyncDemo</a:t>
-            </a:r>
-            <a:endParaRPr lang="pt-PT" sz="2800" dirty="0" smtClean="0"/>
-          </a:p>
-          <a:p>
-            <a:r>
-              <a:rPr lang="pt-PT" sz="2800" dirty="0" smtClean="0"/>
+              <a:t>https://github.com/DVDPT/Programmatically-Speaking-Repository/tree/master/AsyncStuff/AsyncDemo</a:t>
+            </a:r>
+            <a:endParaRPr lang="pt-PT" sz="2400" dirty="0" smtClean="0"/>
+          </a:p>
+          <a:p>
+            <a:pPr>
+              <a:lnSpc>
+                <a:spcPct val="150000"/>
+              </a:lnSpc>
+            </a:pPr>
+            <a:r>
+              <a:rPr lang="pt-PT" sz="2400" dirty="0" smtClean="0"/>
               <a:t>101 C# </a:t>
             </a:r>
             <a:r>
-              <a:rPr lang="pt-PT" sz="2800" dirty="0" err="1" smtClean="0"/>
+              <a:rPr lang="pt-PT" sz="2400" dirty="0" err="1" smtClean="0"/>
               <a:t>Async</a:t>
             </a:r>
             <a:r>
-              <a:rPr lang="pt-PT" sz="2800" dirty="0" smtClean="0"/>
+              <a:rPr lang="pt-PT" sz="2400" dirty="0" smtClean="0"/>
               <a:t> </a:t>
             </a:r>
             <a:r>
-              <a:rPr lang="pt-PT" sz="2800" dirty="0" err="1" smtClean="0"/>
+              <a:rPr lang="pt-PT" sz="2400" dirty="0" err="1" smtClean="0"/>
               <a:t>Samples</a:t>
             </a:r>
             <a:r>
-              <a:rPr lang="pt-PT" sz="2800" dirty="0" smtClean="0"/>
+              <a:rPr lang="pt-PT" sz="2400" dirty="0" smtClean="0"/>
               <a:t> </a:t>
             </a:r>
             <a:r>
-              <a:rPr lang="pt-PT" sz="2000" dirty="0" smtClean="0">
+              <a:rPr lang="pt-PT" sz="1800" dirty="0" smtClean="0">
                 <a:hlinkClick r:id="rId3"/>
               </a:rPr>
-              <a:t>http</a:t>
-            </a:r>
-            <a:r>
-              <a:rPr lang="pt-PT" sz="2000" dirty="0" smtClean="0">
+              <a:t>http://www.wischik.com/lu/AsyncSilverlight/AsyncSamples.html</a:t>
+            </a:r>
+            <a:endParaRPr lang="pt-PT" sz="2000" dirty="0" smtClean="0"/>
+          </a:p>
+          <a:p>
+            <a:pPr>
+              <a:lnSpc>
+                <a:spcPct val="150000"/>
+              </a:lnSpc>
+            </a:pPr>
+            <a:r>
+              <a:rPr lang="pt-PT" sz="2400" dirty="0" err="1" smtClean="0"/>
+              <a:t>Parallel</a:t>
+            </a:r>
+            <a:r>
+              <a:rPr lang="pt-PT" sz="2400" dirty="0" smtClean="0"/>
+              <a:t> </a:t>
+            </a:r>
+            <a:r>
+              <a:rPr lang="pt-PT" sz="2400" dirty="0" err="1" smtClean="0"/>
+              <a:t>Programming</a:t>
+            </a:r>
+            <a:r>
+              <a:rPr lang="pt-PT" sz="2400" dirty="0" smtClean="0"/>
+              <a:t> </a:t>
+            </a:r>
+            <a:r>
+              <a:rPr lang="pt-PT" sz="2400" dirty="0" err="1" smtClean="0"/>
+              <a:t>team</a:t>
+            </a:r>
+            <a:r>
+              <a:rPr lang="pt-PT" sz="2400" dirty="0" smtClean="0"/>
+              <a:t> </a:t>
+            </a:r>
+            <a:r>
+              <a:rPr lang="pt-PT" sz="2400" dirty="0" err="1" smtClean="0"/>
+              <a:t>blog</a:t>
+            </a:r>
+            <a:r>
+              <a:rPr lang="pt-PT" sz="2400" dirty="0" smtClean="0"/>
+              <a:t/>
+            </a:r>
+            <a:br>
+              <a:rPr lang="pt-PT" sz="2400" dirty="0" smtClean="0"/>
+            </a:br>
+            <a:r>
+              <a:rPr lang="pt-PT" sz="1800" dirty="0" smtClean="0">
+                <a:hlinkClick r:id="rId4"/>
+              </a:rPr>
+              <a:t>http://blogs.msdn.com/b/pfxteam</a:t>
+            </a:r>
+            <a:r>
+              <a:rPr lang="pt-PT" sz="1800" dirty="0" smtClean="0">
+                <a:hlinkClick r:id="rId4"/>
+              </a:rPr>
+              <a:t>/</a:t>
+            </a:r>
+            <a:endParaRPr lang="pt-PT" sz="1800" dirty="0" smtClean="0"/>
+          </a:p>
+          <a:p>
+            <a:pPr>
+              <a:lnSpc>
+                <a:spcPct val="150000"/>
+              </a:lnSpc>
+            </a:pPr>
+            <a:r>
+              <a:rPr lang="pt-PT" sz="2400" dirty="0" smtClean="0"/>
+              <a:t>C# 5.0 </a:t>
+            </a:r>
+            <a:r>
+              <a:rPr lang="pt-PT" sz="2400" dirty="0" err="1" smtClean="0"/>
+              <a:t>Async</a:t>
+            </a:r>
+            <a:r>
+              <a:rPr lang="pt-PT" sz="2400" dirty="0" smtClean="0"/>
+              <a:t> </a:t>
+            </a:r>
+            <a:r>
+              <a:rPr lang="pt-PT" sz="2400" dirty="0" smtClean="0"/>
+              <a:t>CTP </a:t>
+            </a:r>
+            <a:r>
+              <a:rPr lang="pt-PT" sz="1800" dirty="0" smtClean="0">
                 <a:hlinkClick r:id="rId3"/>
               </a:rPr>
-              <a:t>://</a:t>
-            </a:r>
-            <a:r>
-              <a:rPr lang="pt-PT" sz="2000" dirty="0" smtClean="0">
+              <a:t/>
+            </a:r>
+            <a:br>
+              <a:rPr lang="pt-PT" sz="1800" dirty="0" smtClean="0">
                 <a:hlinkClick r:id="rId3"/>
               </a:rPr>
-              <a:t>www.wischik.com/lu/AsyncSilverlight/AsyncSamples.html</a:t>
-            </a:r>
-            <a:endParaRPr lang="pt-PT" sz="2400" dirty="0" smtClean="0"/>
-          </a:p>
-          <a:p>
-            <a:r>
-              <a:rPr lang="pt-PT" sz="2800" dirty="0" err="1" smtClean="0"/>
-              <a:t>Parallel</a:t>
-            </a:r>
-            <a:r>
-              <a:rPr lang="pt-PT" sz="2800" dirty="0" smtClean="0"/>
-              <a:t> </a:t>
-            </a:r>
-            <a:r>
-              <a:rPr lang="pt-PT" sz="2800" dirty="0" err="1" smtClean="0"/>
-              <a:t>Programming</a:t>
-            </a:r>
-            <a:r>
-              <a:rPr lang="pt-PT" sz="2800" dirty="0" smtClean="0"/>
-              <a:t> </a:t>
-            </a:r>
-            <a:r>
-              <a:rPr lang="pt-PT" sz="2800" dirty="0" err="1" smtClean="0"/>
-              <a:t>team</a:t>
-            </a:r>
-            <a:r>
-              <a:rPr lang="pt-PT" sz="2800" dirty="0" smtClean="0"/>
-              <a:t> </a:t>
-            </a:r>
-            <a:r>
-              <a:rPr lang="pt-PT" sz="2800" dirty="0" err="1" smtClean="0"/>
-              <a:t>blog</a:t>
-            </a:r>
-            <a:r>
-              <a:rPr lang="pt-PT" sz="2800" dirty="0" smtClean="0"/>
-              <a:t/>
-            </a:r>
-            <a:br>
-              <a:rPr lang="pt-PT" sz="2800" dirty="0" smtClean="0"/>
             </a:br>
             <a:r>
-              <a:rPr lang="pt-PT" sz="2000" dirty="0" smtClean="0">
-                <a:hlinkClick r:id="rId4"/>
+              <a:rPr lang="pt-PT" sz="1800" dirty="0" smtClean="0">
+                <a:hlinkClick r:id="rId3"/>
               </a:rPr>
-              <a:t>http://blogs.msdn.com/b/pfxteam/</a:t>
-            </a:r>
-            <a:endParaRPr lang="pt-PT" sz="2000" dirty="0" smtClean="0">
+              <a:t>http://msdn.microsoft.com/en-us/vstudio/gg316360</a:t>
+            </a:r>
+            <a:endParaRPr lang="pt-PT" sz="1800" dirty="0" smtClean="0">
               <a:hlinkClick r:id="rId3"/>
             </a:endParaRPr>
           </a:p>
@@ -4751,7 +4876,7 @@
         </p:blipFill>
         <p:spPr bwMode="auto">
           <a:xfrm>
-            <a:off x="3563888" y="4581128"/>
+            <a:off x="7092280" y="4941168"/>
             <a:ext cx="1872208" cy="1872208"/>
           </a:xfrm>
           <a:prstGeom prst="rect">
@@ -4843,11 +4968,7 @@
             </a:pPr>
             <a:r>
               <a:rPr lang="pt-PT" dirty="0" smtClean="0"/>
-              <a:t>Motivação</a:t>
-            </a:r>
-            <a:r>
-              <a:rPr lang="pt-PT" dirty="0" smtClean="0"/>
-              <a:t>.</a:t>
+              <a:t>Motivação.</a:t>
             </a:r>
           </a:p>
           <a:p>
@@ -5216,7 +5337,19 @@
             </a:r>
             <a:r>
               <a:rPr lang="pt-PT" dirty="0" smtClean="0"/>
-              <a:t>utilizada para “decorar” métodos assíncronos.                         </a:t>
+              <a:t>utilizada para </a:t>
+            </a:r>
+            <a:r>
+              <a:rPr lang="pt-PT" dirty="0" smtClean="0"/>
+              <a:t>declarar métodos </a:t>
+            </a:r>
+            <a:r>
+              <a:rPr lang="pt-PT" dirty="0" smtClean="0"/>
+              <a:t>assíncronos.                         </a:t>
+            </a:r>
+            <a:r>
+              <a:rPr lang="pt-PT" dirty="0" smtClean="0"/>
+              <a:t>            </a:t>
             </a:r>
             <a:r>
               <a:rPr lang="pt-PT" b="1" dirty="0" err="1" smtClean="0"/>
@@ -5300,22 +5433,26 @@
               <a:t> </a:t>
             </a:r>
             <a:r>
-              <a:rPr lang="pt-PT" sz="2000" b="1" dirty="0" err="1" smtClean="0"/>
+              <a:rPr lang="pt-PT" sz="2000" dirty="0" err="1" smtClean="0">
+                <a:solidFill>
+                  <a:srgbClr val="0070C0"/>
+                </a:solidFill>
+              </a:rPr>
               <a:t>await</a:t>
             </a:r>
             <a:r>
-              <a:rPr lang="pt-PT" sz="2000" b="1" dirty="0" smtClean="0"/>
+              <a:rPr lang="pt-PT" sz="2000" dirty="0" smtClean="0"/>
               <a:t> </a:t>
             </a:r>
             <a:r>
-              <a:rPr lang="pt-PT" sz="2000" b="1" dirty="0" err="1" smtClean="0"/>
+              <a:rPr lang="pt-PT" sz="2000" dirty="0" err="1" smtClean="0"/>
               <a:t>SomeMethodAsync</a:t>
             </a:r>
             <a:r>
-              <a:rPr lang="pt-PT" sz="2000" b="1" dirty="0" smtClean="0"/>
+              <a:rPr lang="pt-PT" sz="2000" dirty="0" smtClean="0"/>
               <a:t>()</a:t>
             </a:r>
-            <a:endParaRPr lang="pt-PT" b="1" dirty="0" smtClean="0"/>
+            <a:endParaRPr lang="pt-PT" dirty="0" smtClean="0"/>
           </a:p>
           <a:p>
             <a:endParaRPr lang="pt-PT" b="1" dirty="0"/>
@@ -6170,7 +6307,15 @@
             </a:r>
             <a:r>
               <a:rPr lang="pt-PT" sz="1400" dirty="0" smtClean="0"/>
-              <a:t> ASYNC_OPERATION_COMPLTED;</a:t>
+              <a:t> </a:t>
+            </a:r>
+            <a:r>
+              <a:rPr lang="pt-PT" sz="1400" dirty="0" smtClean="0"/>
+              <a:t>ASYNC_OPERATION_COMPLETED</a:t>
+            </a:r>
+            <a:r>
+              <a:rPr lang="pt-PT" sz="1400" dirty="0" smtClean="0"/>
+              <a:t>;</a:t>
             </a:r>
           </a:p>
           <a:p>
@@ -6295,7 +6440,11 @@
           <a:p>
             <a:r>
               <a:rPr lang="pt-PT" sz="1400" dirty="0" smtClean="0"/>
-              <a:t>ASYNC_OPERATIONS_COMPLTED:</a:t>
+              <a:t>ASYNC_OPERATIONS_COMPLETED</a:t>
+            </a:r>
+            <a:r>
+              <a:rPr lang="pt-PT" sz="1400" dirty="0" smtClean="0"/>
+              <a:t>:</a:t>
             </a:r>
           </a:p>
           <a:p>
@@ -6431,17 +6580,437 @@
           </a:p>
         </p:txBody>
       </p:sp>
+      <p:sp>
+        <p:nvSpPr>
+          <p:cNvPr id="13" name="Seta para a direita 12"/>
+          <p:cNvSpPr/>
+          <p:nvPr/>
+        </p:nvSpPr>
+        <p:spPr>
+          <a:xfrm rot="19262307">
+            <a:off x="3227821" y="3579294"/>
+            <a:ext cx="1230333" cy="296237"/>
+          </a:xfrm>
+          <a:prstGeom prst="rightArrow">
+            <a:avLst/>
+          </a:prstGeom>
+        </p:spPr>
+        <p:style>
+          <a:lnRef idx="2">
+            <a:schemeClr val="accent1">
+              <a:shade val="50000"/>
+            </a:schemeClr>
+          </a:lnRef>
+          <a:fillRef idx="1">
+            <a:schemeClr val="accent1"/>
+          </a:fillRef>
+          <a:effectRef idx="0">
+            <a:schemeClr val="accent1"/>
+          </a:effectRef>
+          <a:fontRef idx="minor">
+            <a:schemeClr val="lt1"/>
+          </a:fontRef>
+        </p:style>
+        <p:txBody>
+          <a:bodyPr rtlCol="0" anchor="ctr"/>
+          <a:lstStyle/>
+          <a:p>
+            <a:pPr algn="ctr"/>
+            <a:endParaRPr lang="pt-PT"/>
+          </a:p>
+        </p:txBody>
+      </p:sp>
+      <p:sp>
+        <p:nvSpPr>
+          <p:cNvPr id="14" name="CaixaDeTexto 13"/>
+          <p:cNvSpPr txBox="1"/>
+          <p:nvPr/>
+        </p:nvSpPr>
+        <p:spPr>
+          <a:xfrm rot="19218955">
+            <a:off x="-467551" y="4448135"/>
+            <a:ext cx="5479971" cy="369332"/>
+          </a:xfrm>
+          <a:prstGeom prst="rect">
+            <a:avLst/>
+          </a:prstGeom>
+          <a:noFill/>
+        </p:spPr>
+        <p:txBody>
+          <a:bodyPr wrap="square" rtlCol="0">
+            <a:spAutoFit/>
+          </a:bodyPr>
+          <a:lstStyle/>
+          <a:p>
+            <a:r>
+              <a:rPr lang="pt-PT" dirty="0" smtClean="0"/>
+              <a:t>Antes da chamada à operação assíncrona </a:t>
+            </a:r>
+            <a:endParaRPr lang="pt-PT" dirty="0"/>
+          </a:p>
+        </p:txBody>
+      </p:sp>
+      <p:sp>
+        <p:nvSpPr>
+          <p:cNvPr id="19" name="Seta para a direita 18"/>
+          <p:cNvSpPr/>
+          <p:nvPr/>
+        </p:nvSpPr>
+        <p:spPr>
+          <a:xfrm rot="1045982">
+            <a:off x="2203754" y="5606330"/>
+            <a:ext cx="1230333" cy="296237"/>
+          </a:xfrm>
+          <a:prstGeom prst="rightArrow">
+            <a:avLst/>
+          </a:prstGeom>
+        </p:spPr>
+        <p:style>
+          <a:lnRef idx="2">
+            <a:schemeClr val="accent1">
+              <a:shade val="50000"/>
+            </a:schemeClr>
+          </a:lnRef>
+          <a:fillRef idx="1">
+            <a:schemeClr val="accent1"/>
+          </a:fillRef>
+          <a:effectRef idx="0">
+            <a:schemeClr val="accent1"/>
+          </a:effectRef>
+          <a:fontRef idx="minor">
+            <a:schemeClr val="lt1"/>
+          </a:fontRef>
+        </p:style>
+        <p:txBody>
+          <a:bodyPr rtlCol="0" anchor="ctr"/>
+          <a:lstStyle/>
+          <a:p>
+            <a:pPr algn="ctr"/>
+            <a:endParaRPr lang="pt-PT"/>
+          </a:p>
+        </p:txBody>
+      </p:sp>
+      <p:sp>
+        <p:nvSpPr>
+          <p:cNvPr id="20" name="CaixaDeTexto 19"/>
+          <p:cNvSpPr txBox="1"/>
+          <p:nvPr/>
+        </p:nvSpPr>
+        <p:spPr>
+          <a:xfrm>
+            <a:off x="0" y="5229200"/>
+            <a:ext cx="3744416" cy="369332"/>
+          </a:xfrm>
+          <a:prstGeom prst="rect">
+            <a:avLst/>
+          </a:prstGeom>
+          <a:noFill/>
+        </p:spPr>
+        <p:txBody>
+          <a:bodyPr wrap="square" rtlCol="0">
+            <a:spAutoFit/>
+          </a:bodyPr>
+          <a:lstStyle/>
+          <a:p>
+            <a:r>
+              <a:rPr lang="pt-PT" dirty="0" smtClean="0"/>
+              <a:t>Após a operação assíncrona </a:t>
+            </a:r>
+            <a:endParaRPr lang="pt-PT" dirty="0"/>
+          </a:p>
+        </p:txBody>
+      </p:sp>
     </p:spTree>
   </p:cSld>
   <p:clrMapOvr>
     <a:masterClrMapping/>
   </p:clrMapOvr>
+  <p:transition>
+    <p:fade/>
+  </p:transition>
   <p:timing>
     <p:tnLst>
       <p:par>
-        <p:cTn id="1" dur="indefinite" restart="never" nodeType="tmRoot"/>
+        <p:cTn id="1" dur="indefinite" restart="never" nodeType="tmRoot">
+          <p:childTnLst>
+            <p:seq concurrent="1" nextAc="seek">
+              <p:cTn id="2" dur="indefinite" nodeType="mainSeq">
+                <p:childTnLst>
+                  <p:par>
+                    <p:cTn id="3" fill="hold">
+                      <p:stCondLst>
+                        <p:cond delay="indefinite"/>
+                      </p:stCondLst>
+                      <p:childTnLst>
+                        <p:par>
+                          <p:cTn id="4" fill="hold">
+                            <p:stCondLst>
+                              <p:cond delay="0"/>
+                            </p:stCondLst>
+                            <p:childTnLst>
+                              <p:par>
+                                <p:cTn id="5" presetID="4" presetClass="entr" presetSubtype="16" fill="hold" grpId="0" nodeType="clickEffect">
+                                  <p:stCondLst>
+                                    <p:cond delay="0"/>
+                                  </p:stCondLst>
+                                  <p:childTnLst>
+                                    <p:set>
+                                      <p:cBhvr>
+                                        <p:cTn id="6" dur="1" fill="hold">
+                                          <p:stCondLst>
+                                            <p:cond delay="0"/>
+                                          </p:stCondLst>
+                                        </p:cTn>
+                                        <p:tgtEl>
+                                          <p:spTgt spid="13"/>
+                                        </p:tgtEl>
+                                        <p:attrNameLst>
+                                          <p:attrName>style.visibility</p:attrName>
+                                        </p:attrNameLst>
+                                      </p:cBhvr>
+                                      <p:to>
+                                        <p:strVal val="visible"/>
+                                      </p:to>
+                                    </p:set>
+                                    <p:animEffect transition="in" filter="box(in)">
+                                      <p:cBhvr>
+                                        <p:cTn id="7" dur="500"/>
+                                        <p:tgtEl>
+                                          <p:spTgt spid="13"/>
+                                        </p:tgtEl>
+                                      </p:cBhvr>
+                                    </p:animEffect>
+                                  </p:childTnLst>
+                                </p:cTn>
+                              </p:par>
+                              <p:par>
+                                <p:cTn id="8" presetID="4" presetClass="entr" presetSubtype="16" fill="hold" grpId="0" nodeType="withEffect">
+                                  <p:stCondLst>
+                                    <p:cond delay="0"/>
+                                  </p:stCondLst>
+                                  <p:childTnLst>
+                                    <p:set>
+                                      <p:cBhvr>
+                                        <p:cTn id="9" dur="1" fill="hold">
+                                          <p:stCondLst>
+                                            <p:cond delay="0"/>
+                                          </p:stCondLst>
+                                        </p:cTn>
+                                        <p:tgtEl>
+                                          <p:spTgt spid="14"/>
+                                        </p:tgtEl>
+                                        <p:attrNameLst>
+                                          <p:attrName>style.visibility</p:attrName>
+                                        </p:attrNameLst>
+                                      </p:cBhvr>
+                                      <p:to>
+                                        <p:strVal val="visible"/>
+                                      </p:to>
+                                    </p:set>
+                                    <p:animEffect transition="in" filter="box(in)">
+                                      <p:cBhvr>
+                                        <p:cTn id="10" dur="500"/>
+                                        <p:tgtEl>
+                                          <p:spTgt spid="14"/>
+                                        </p:tgtEl>
+                                      </p:cBhvr>
+                                    </p:animEffect>
+                                  </p:childTnLst>
+                                </p:cTn>
+                              </p:par>
+                            </p:childTnLst>
+                          </p:cTn>
+                        </p:par>
+                      </p:childTnLst>
+                    </p:cTn>
+                  </p:par>
+                  <p:par>
+                    <p:cTn id="11" fill="hold">
+                      <p:stCondLst>
+                        <p:cond delay="indefinite"/>
+                      </p:stCondLst>
+                      <p:childTnLst>
+                        <p:par>
+                          <p:cTn id="12" fill="hold">
+                            <p:stCondLst>
+                              <p:cond delay="0"/>
+                            </p:stCondLst>
+                            <p:childTnLst>
+                              <p:par>
+                                <p:cTn id="13" presetID="4" presetClass="exit" presetSubtype="16" fill="hold" grpId="1" nodeType="clickEffect">
+                                  <p:stCondLst>
+                                    <p:cond delay="0"/>
+                                  </p:stCondLst>
+                                  <p:childTnLst>
+                                    <p:animEffect transition="out" filter="box(in)">
+                                      <p:cBhvr>
+                                        <p:cTn id="14" dur="500"/>
+                                        <p:tgtEl>
+                                          <p:spTgt spid="13"/>
+                                        </p:tgtEl>
+                                      </p:cBhvr>
+                                    </p:animEffect>
+                                    <p:set>
+                                      <p:cBhvr>
+                                        <p:cTn id="15" dur="1" fill="hold">
+                                          <p:stCondLst>
+                                            <p:cond delay="499"/>
+                                          </p:stCondLst>
+                                        </p:cTn>
+                                        <p:tgtEl>
+                                          <p:spTgt spid="13"/>
+                                        </p:tgtEl>
+                                        <p:attrNameLst>
+                                          <p:attrName>style.visibility</p:attrName>
+                                        </p:attrNameLst>
+                                      </p:cBhvr>
+                                      <p:to>
+                                        <p:strVal val="hidden"/>
+                                      </p:to>
+                                    </p:set>
+                                  </p:childTnLst>
+                                </p:cTn>
+                              </p:par>
+                              <p:par>
+                                <p:cTn id="16" presetID="4" presetClass="exit" presetSubtype="16" fill="hold" grpId="1" nodeType="withEffect">
+                                  <p:stCondLst>
+                                    <p:cond delay="0"/>
+                                  </p:stCondLst>
+                                  <p:childTnLst>
+                                    <p:animEffect transition="out" filter="box(in)">
+                                      <p:cBhvr>
+                                        <p:cTn id="17" dur="500"/>
+                                        <p:tgtEl>
+                                          <p:spTgt spid="14"/>
+                                        </p:tgtEl>
+                                      </p:cBhvr>
+                                    </p:animEffect>
+                                    <p:set>
+                                      <p:cBhvr>
+                                        <p:cTn id="18" dur="1" fill="hold">
+                                          <p:stCondLst>
+                                            <p:cond delay="499"/>
+                                          </p:stCondLst>
+                                        </p:cTn>
+                                        <p:tgtEl>
+                                          <p:spTgt spid="14"/>
+                                        </p:tgtEl>
+                                        <p:attrNameLst>
+                                          <p:attrName>style.visibility</p:attrName>
+                                        </p:attrNameLst>
+                                      </p:cBhvr>
+                                      <p:to>
+                                        <p:strVal val="hidden"/>
+                                      </p:to>
+                                    </p:set>
+                                  </p:childTnLst>
+                                </p:cTn>
+                              </p:par>
+                              <p:par>
+                                <p:cTn id="19" presetID="4" presetClass="entr" presetSubtype="16" fill="hold" grpId="0" nodeType="withEffect">
+                                  <p:stCondLst>
+                                    <p:cond delay="0"/>
+                                  </p:stCondLst>
+                                  <p:childTnLst>
+                                    <p:set>
+                                      <p:cBhvr>
+                                        <p:cTn id="20" dur="1" fill="hold">
+                                          <p:stCondLst>
+                                            <p:cond delay="0"/>
+                                          </p:stCondLst>
+                                        </p:cTn>
+                                        <p:tgtEl>
+                                          <p:spTgt spid="19"/>
+                                        </p:tgtEl>
+                                        <p:attrNameLst>
+                                          <p:attrName>style.visibility</p:attrName>
+                                        </p:attrNameLst>
+                                      </p:cBhvr>
+                                      <p:to>
+                                        <p:strVal val="visible"/>
+                                      </p:to>
+                                    </p:set>
+                                    <p:animEffect transition="in" filter="box(in)">
+                                      <p:cBhvr>
+                                        <p:cTn id="21" dur="500"/>
+                                        <p:tgtEl>
+                                          <p:spTgt spid="19"/>
+                                        </p:tgtEl>
+                                      </p:cBhvr>
+                                    </p:animEffect>
+                                  </p:childTnLst>
+                                </p:cTn>
+                              </p:par>
+                              <p:par>
+                                <p:cTn id="22" presetID="4" presetClass="entr" presetSubtype="16" fill="hold" grpId="0" nodeType="withEffect">
+                                  <p:stCondLst>
+                                    <p:cond delay="0"/>
+                                  </p:stCondLst>
+                                  <p:childTnLst>
+                                    <p:set>
+                                      <p:cBhvr>
+                                        <p:cTn id="23" dur="1" fill="hold">
+                                          <p:stCondLst>
+                                            <p:cond delay="0"/>
+                                          </p:stCondLst>
+                                        </p:cTn>
+                                        <p:tgtEl>
+                                          <p:spTgt spid="20"/>
+                                        </p:tgtEl>
+                                        <p:attrNameLst>
+                                          <p:attrName>style.visibility</p:attrName>
+                                        </p:attrNameLst>
+                                      </p:cBhvr>
+                                      <p:to>
+                                        <p:strVal val="visible"/>
+                                      </p:to>
+                                    </p:set>
+                                    <p:animEffect transition="in" filter="box(in)">
+                                      <p:cBhvr>
+                                        <p:cTn id="24" dur="500"/>
+                                        <p:tgtEl>
+                                          <p:spTgt spid="20"/>
+                                        </p:tgtEl>
+                                      </p:cBhvr>
+                                    </p:animEffect>
+                                  </p:childTnLst>
+                                </p:cTn>
+                              </p:par>
+                            </p:childTnLst>
+                          </p:cTn>
+                        </p:par>
+                      </p:childTnLst>
+                    </p:cTn>
+                  </p:par>
+                </p:childTnLst>
+              </p:cTn>
+              <p:prevCondLst>
+                <p:cond evt="onPrev" delay="0">
+                  <p:tgtEl>
+                    <p:sldTgt/>
+                  </p:tgtEl>
+                </p:cond>
+              </p:prevCondLst>
+              <p:nextCondLst>
+                <p:cond evt="onNext" delay="0">
+                  <p:tgtEl>
+                    <p:sldTgt/>
+                  </p:tgtEl>
+                </p:cond>
+              </p:nextCondLst>
+            </p:seq>
+          </p:childTnLst>
+        </p:cTn>
       </p:par>
     </p:tnLst>
+    <p:bldLst>
+      <p:bldP spid="13" grpId="0" animBg="1"/>
+      <p:bldP spid="13" grpId="1" animBg="1"/>
+      <p:bldP spid="14" grpId="0"/>
+      <p:bldP spid="14" grpId="1"/>
+      <p:bldP spid="19" grpId="0" animBg="1"/>
+      <p:bldP spid="20" grpId="0"/>
+    </p:bldLst>
   </p:timing>
 </p:sld>
 </file>
@@ -6479,10 +7048,10 @@
           <a:lstStyle/>
           <a:p>
             <a:r>
-              <a:rPr lang="pt-PT" smtClean="0"/>
-              <a:t>Caracteristicas</a:t>
-            </a:r>
-            <a:endParaRPr lang="pt-PT"/>
+              <a:rPr lang="pt-PT" dirty="0" smtClean="0"/>
+              <a:t>Características</a:t>
+            </a:r>
+            <a:endParaRPr lang="pt-PT" dirty="0"/>
           </a:p>
         </p:txBody>
       </p:sp>
@@ -6573,15 +7142,7 @@
             </a:pPr>
             <a:r>
               <a:rPr lang="pt-PT" dirty="0" smtClean="0"/>
-              <a:t>Escrita </a:t>
-            </a:r>
-            <a:r>
-              <a:rPr lang="pt-PT" dirty="0" smtClean="0"/>
-              <a:t>de código síncrono, execução assíncrona</a:t>
-            </a:r>
-            <a:r>
-              <a:rPr lang="pt-PT" dirty="0" smtClean="0"/>
-              <a:t>.</a:t>
+              <a:t>Escrita de código síncrono, execução assíncrona.</a:t>
             </a:r>
           </a:p>
           <a:p>
@@ -6592,8 +7153,9 @@
             </a:pPr>
             <a:r>
               <a:rPr lang="pt-PT" dirty="0" smtClean="0"/>
-              <a:t>Uma operação assíncrona não implica sempre “a criação de uma nova thread”.</a:t>
-            </a:r>
+              <a:t>Não existe espera pela conclusão de uma operação assíncrona.</a:t>
+            </a:r>
+            <a:endParaRPr lang="pt-PT" dirty="0" smtClean="0"/>
           </a:p>
           <a:p>
             <a:endParaRPr lang="pt-PT" i="1" dirty="0" smtClean="0"/>
@@ -6723,7 +7285,6 @@
               <a:rPr lang="en-US" sz="1800" dirty="0" smtClean="0"/>
               <a:t> { get; } </a:t>
             </a:r>
-            <a:endParaRPr lang="en-US" sz="1800" dirty="0" smtClean="0"/>
           </a:p>
           <a:p>
             <a:pPr lvl="1"/>
@@ -6737,11 +7298,7 @@
             </a:r>
             <a:r>
               <a:rPr lang="en-US" sz="1800" dirty="0" smtClean="0"/>
-              <a:t>(Action</a:t>
-            </a:r>
-            <a:r>
-              <a:rPr lang="en-US" sz="1800" dirty="0" smtClean="0"/>
-              <a:t>);</a:t>
+              <a:t>(Action);</a:t>
             </a:r>
           </a:p>
           <a:p>
@@ -6813,11 +7370,15 @@
             <a:pPr lvl="1"/>
             <a:r>
               <a:rPr lang="pt-PT" sz="1800" dirty="0" err="1" smtClean="0"/>
-              <a:t>Void</a:t>
+              <a:t>void</a:t>
             </a:r>
             <a:r>
               <a:rPr lang="pt-PT" sz="1800" dirty="0" smtClean="0"/>
-              <a:t> – </a:t>
+              <a:t> </a:t>
+            </a:r>
+            <a:r>
+              <a:rPr lang="pt-PT" sz="1800" dirty="0" smtClean="0"/>
+              <a:t>– </a:t>
             </a:r>
             <a:r>
               <a:rPr lang="pt-PT" sz="1800" dirty="0" err="1" smtClean="0"/>
@@ -6855,8 +7416,12 @@
           <a:p>
             <a:pPr lvl="1"/>
             <a:r>
+              <a:rPr lang="pt-PT" sz="1800" dirty="0" err="1" smtClean="0"/>
+              <a:t>Task&lt;T</a:t>
+            </a:r>
+            <a:r>
               <a:rPr lang="pt-PT" sz="1800" dirty="0" smtClean="0"/>
-              <a:t>T</a:t>
+              <a:t>&gt;</a:t>
             </a:r>
             <a:endParaRPr lang="pt-PT" sz="1800" dirty="0" smtClean="0"/>
           </a:p>

--- a/AsyncStuff/AsyncDemo/Slides.pptx
+++ b/AsyncStuff/AsyncDemo/Slides.pptx
@@ -5,7 +5,7 @@
     <p:sldMasterId id="2147483696" r:id="rId1"/>
   </p:sldMasterIdLst>
   <p:notesMasterIdLst>
-    <p:notesMasterId r:id="rId13"/>
+    <p:notesMasterId r:id="rId12"/>
   </p:notesMasterIdLst>
   <p:sldIdLst>
     <p:sldId id="256" r:id="rId2"/>
@@ -17,8 +17,7 @@
     <p:sldId id="260" r:id="rId8"/>
     <p:sldId id="261" r:id="rId9"/>
     <p:sldId id="264" r:id="rId10"/>
-    <p:sldId id="265" r:id="rId11"/>
-    <p:sldId id="266" r:id="rId12"/>
+    <p:sldId id="266" r:id="rId11"/>
   </p:sldIdLst>
   <p:sldSz cx="9144000" cy="6858000" type="screen4x3"/>
   <p:notesSz cx="6858000" cy="9144000"/>
@@ -203,7 +202,7 @@
             <a:fld id="{C5F6FB3E-46EA-4718-971F-AAD1CDC94C9B}" type="datetimeFigureOut">
               <a:rPr lang="pt-PT" smtClean="0"/>
               <a:pPr/>
-              <a:t>02-05-2011</a:t>
+              <a:t>20-05-2011</a:t>
             </a:fld>
             <a:endParaRPr lang="pt-PT"/>
           </a:p>
@@ -795,7 +794,7 @@
             <a:fld id="{990166D8-BE43-416A-864B-A1544A4A96DB}" type="datetimeFigureOut">
               <a:rPr lang="pt-PT" smtClean="0"/>
               <a:pPr/>
-              <a:t>02-05-2011</a:t>
+              <a:t>20-05-2011</a:t>
             </a:fld>
             <a:endParaRPr lang="pt-PT"/>
           </a:p>
@@ -1020,7 +1019,7 @@
             <a:fld id="{990166D8-BE43-416A-864B-A1544A4A96DB}" type="datetimeFigureOut">
               <a:rPr lang="pt-PT" smtClean="0"/>
               <a:pPr/>
-              <a:t>02-05-2011</a:t>
+              <a:t>20-05-2011</a:t>
             </a:fld>
             <a:endParaRPr lang="pt-PT"/>
           </a:p>
@@ -1302,7 +1301,7 @@
             <a:fld id="{990166D8-BE43-416A-864B-A1544A4A96DB}" type="datetimeFigureOut">
               <a:rPr lang="pt-PT" smtClean="0"/>
               <a:pPr/>
-              <a:t>02-05-2011</a:t>
+              <a:t>20-05-2011</a:t>
             </a:fld>
             <a:endParaRPr lang="pt-PT"/>
           </a:p>
@@ -1483,7 +1482,7 @@
             <a:fld id="{990166D8-BE43-416A-864B-A1544A4A96DB}" type="datetimeFigureOut">
               <a:rPr lang="pt-PT" smtClean="0"/>
               <a:pPr/>
-              <a:t>02-05-2011</a:t>
+              <a:t>20-05-2011</a:t>
             </a:fld>
             <a:endParaRPr lang="pt-PT"/>
           </a:p>
@@ -1838,7 +1837,7 @@
             <a:fld id="{990166D8-BE43-416A-864B-A1544A4A96DB}" type="datetimeFigureOut">
               <a:rPr lang="pt-PT" smtClean="0"/>
               <a:pPr/>
-              <a:t>02-05-2011</a:t>
+              <a:t>20-05-2011</a:t>
             </a:fld>
             <a:endParaRPr lang="pt-PT"/>
           </a:p>
@@ -2127,7 +2126,7 @@
             <a:fld id="{990166D8-BE43-416A-864B-A1544A4A96DB}" type="datetimeFigureOut">
               <a:rPr lang="pt-PT" smtClean="0"/>
               <a:pPr/>
-              <a:t>02-05-2011</a:t>
+              <a:t>20-05-2011</a:t>
             </a:fld>
             <a:endParaRPr lang="pt-PT"/>
           </a:p>
@@ -2551,7 +2550,7 @@
             <a:fld id="{990166D8-BE43-416A-864B-A1544A4A96DB}" type="datetimeFigureOut">
               <a:rPr lang="pt-PT" smtClean="0"/>
               <a:pPr/>
-              <a:t>02-05-2011</a:t>
+              <a:t>20-05-2011</a:t>
             </a:fld>
             <a:endParaRPr lang="pt-PT"/>
           </a:p>
@@ -2668,7 +2667,7 @@
             <a:fld id="{990166D8-BE43-416A-864B-A1544A4A96DB}" type="datetimeFigureOut">
               <a:rPr lang="pt-PT" smtClean="0"/>
               <a:pPr/>
-              <a:t>02-05-2011</a:t>
+              <a:t>20-05-2011</a:t>
             </a:fld>
             <a:endParaRPr lang="pt-PT"/>
           </a:p>
@@ -2760,7 +2759,7 @@
             <a:fld id="{990166D8-BE43-416A-864B-A1544A4A96DB}" type="datetimeFigureOut">
               <a:rPr lang="pt-PT" smtClean="0"/>
               <a:pPr/>
-              <a:t>02-05-2011</a:t>
+              <a:t>20-05-2011</a:t>
             </a:fld>
             <a:endParaRPr lang="pt-PT"/>
           </a:p>
@@ -3040,7 +3039,7 @@
             <a:fld id="{990166D8-BE43-416A-864B-A1544A4A96DB}" type="datetimeFigureOut">
               <a:rPr lang="pt-PT" smtClean="0"/>
               <a:pPr/>
-              <a:t>02-05-2011</a:t>
+              <a:t>20-05-2011</a:t>
             </a:fld>
             <a:endParaRPr lang="pt-PT"/>
           </a:p>
@@ -3403,7 +3402,7 @@
             <a:fld id="{990166D8-BE43-416A-864B-A1544A4A96DB}" type="datetimeFigureOut">
               <a:rPr lang="pt-PT" smtClean="0"/>
               <a:pPr/>
-              <a:t>02-05-2011</a:t>
+              <a:t>20-05-2011</a:t>
             </a:fld>
             <a:endParaRPr lang="pt-PT"/>
           </a:p>
@@ -3842,7 +3841,7 @@
             <a:fld id="{990166D8-BE43-416A-864B-A1544A4A96DB}" type="datetimeFigureOut">
               <a:rPr lang="pt-PT" smtClean="0"/>
               <a:pPr/>
-              <a:t>02-05-2011</a:t>
+              <a:t>20-05-2011</a:t>
             </a:fld>
             <a:endParaRPr lang="pt-PT"/>
           </a:p>
@@ -4395,280 +4394,6 @@
             <p:ph type="title"/>
           </p:nvPr>
         </p:nvSpPr>
-        <p:spPr>
-          <a:xfrm>
-            <a:off x="457200" y="188640"/>
-            <a:ext cx="8229600" cy="1252728"/>
-          </a:xfrm>
-        </p:spPr>
-        <p:txBody>
-          <a:bodyPr/>
-          <a:lstStyle/>
-          <a:p>
-            <a:r>
-              <a:rPr lang="pt-PT" dirty="0" smtClean="0"/>
-              <a:t>“</a:t>
-            </a:r>
-            <a:r>
-              <a:rPr lang="pt-PT" dirty="0" err="1" smtClean="0"/>
-              <a:t>Assincronizadores</a:t>
-            </a:r>
-            <a:r>
-              <a:rPr lang="pt-PT" dirty="0" smtClean="0"/>
-              <a:t>”</a:t>
-            </a:r>
-            <a:endParaRPr lang="pt-PT" dirty="0"/>
-          </a:p>
-        </p:txBody>
-      </p:sp>
-      <p:sp>
-        <p:nvSpPr>
-          <p:cNvPr id="3" name="Marcador de Posição de Conteúdo 2"/>
-          <p:cNvSpPr>
-            <a:spLocks noGrp="1"/>
-          </p:cNvSpPr>
-          <p:nvPr>
-            <p:ph idx="1"/>
-          </p:nvPr>
-        </p:nvSpPr>
-        <p:spPr>
-          <a:xfrm>
-            <a:off x="467544" y="1772817"/>
-            <a:ext cx="8229600" cy="2736304"/>
-          </a:xfrm>
-        </p:spPr>
-        <p:txBody>
-          <a:bodyPr/>
-          <a:lstStyle/>
-          <a:p>
-            <a:pPr>
-              <a:buNone/>
-            </a:pPr>
-            <a:r>
-              <a:rPr lang="pt-PT" sz="2000" dirty="0" smtClean="0"/>
-              <a:t>    </a:t>
-            </a:r>
-            <a:r>
-              <a:rPr lang="pt-PT" sz="2000" dirty="0" err="1" smtClean="0">
-                <a:solidFill>
-                  <a:srgbClr val="0070C0"/>
-                </a:solidFill>
-              </a:rPr>
-              <a:t>var</a:t>
-            </a:r>
-            <a:r>
-              <a:rPr lang="pt-PT" sz="2000" dirty="0" smtClean="0">
-                <a:solidFill>
-                  <a:srgbClr val="0070C0"/>
-                </a:solidFill>
-              </a:rPr>
-              <a:t> </a:t>
-            </a:r>
-            <a:r>
-              <a:rPr lang="pt-PT" sz="2000" dirty="0" err="1" smtClean="0"/>
-              <a:t>countDownLatch</a:t>
-            </a:r>
-            <a:r>
-              <a:rPr lang="pt-PT" sz="2000" dirty="0" smtClean="0"/>
-              <a:t> = </a:t>
-            </a:r>
-            <a:r>
-              <a:rPr lang="pt-PT" sz="2000" dirty="0" err="1" smtClean="0">
-                <a:solidFill>
-                  <a:srgbClr val="0070C0"/>
-                </a:solidFill>
-              </a:rPr>
-              <a:t>new</a:t>
-            </a:r>
-            <a:r>
-              <a:rPr lang="pt-PT" sz="2000" dirty="0" smtClean="0"/>
-              <a:t> </a:t>
-            </a:r>
-            <a:r>
-              <a:rPr lang="pt-PT" sz="2000" dirty="0" err="1" smtClean="0"/>
-              <a:t>AsyncCountDownLatch</a:t>
-            </a:r>
-            <a:r>
-              <a:rPr lang="pt-PT" sz="2000" dirty="0" smtClean="0"/>
-              <a:t>();</a:t>
-            </a:r>
-            <a:br>
-              <a:rPr lang="pt-PT" sz="2000" dirty="0" smtClean="0"/>
-            </a:br>
-            <a:r>
-              <a:rPr lang="pt-PT" sz="2000" dirty="0" err="1" smtClean="0">
-                <a:solidFill>
-                  <a:srgbClr val="0070C0"/>
-                </a:solidFill>
-              </a:rPr>
-              <a:t>await</a:t>
-            </a:r>
-            <a:r>
-              <a:rPr lang="pt-PT" sz="2000" dirty="0" smtClean="0"/>
-              <a:t> </a:t>
-            </a:r>
-            <a:r>
-              <a:rPr lang="pt-PT" sz="2000" dirty="0" err="1" smtClean="0"/>
-              <a:t>countDownLatch</a:t>
-            </a:r>
-            <a:r>
-              <a:rPr lang="pt-PT" sz="2000" dirty="0" smtClean="0"/>
-              <a:t>;</a:t>
-            </a:r>
-          </a:p>
-          <a:p>
-            <a:endParaRPr lang="pt-PT" dirty="0" smtClean="0"/>
-          </a:p>
-          <a:p>
-            <a:pPr>
-              <a:lnSpc>
-                <a:spcPct val="150000"/>
-              </a:lnSpc>
-            </a:pPr>
-            <a:r>
-              <a:rPr lang="pt-PT" dirty="0" smtClean="0"/>
-              <a:t>Threads não bloqueiam.</a:t>
-            </a:r>
-          </a:p>
-          <a:p>
-            <a:pPr>
-              <a:lnSpc>
-                <a:spcPct val="150000"/>
-              </a:lnSpc>
-            </a:pPr>
-            <a:r>
-              <a:rPr lang="pt-PT" dirty="0" smtClean="0"/>
-              <a:t>Cancelamento genérico.</a:t>
-            </a:r>
-          </a:p>
-          <a:p>
-            <a:endParaRPr lang="pt-PT" dirty="0"/>
-          </a:p>
-        </p:txBody>
-      </p:sp>
-      <p:sp>
-        <p:nvSpPr>
-          <p:cNvPr id="4" name="CaixaDeTexto 3"/>
-          <p:cNvSpPr txBox="1"/>
-          <p:nvPr/>
-        </p:nvSpPr>
-        <p:spPr>
-          <a:xfrm>
-            <a:off x="971600" y="4653136"/>
-            <a:ext cx="7488832" cy="923330"/>
-          </a:xfrm>
-          <a:prstGeom prst="rect">
-            <a:avLst/>
-          </a:prstGeom>
-          <a:noFill/>
-        </p:spPr>
-        <p:txBody>
-          <a:bodyPr wrap="square" rtlCol="0">
-            <a:spAutoFit/>
-          </a:bodyPr>
-          <a:lstStyle/>
-          <a:p>
-            <a:r>
-              <a:rPr lang="pt-PT" dirty="0" err="1" smtClean="0">
-                <a:solidFill>
-                  <a:srgbClr val="0070C0"/>
-                </a:solidFill>
-              </a:rPr>
-              <a:t>await</a:t>
-            </a:r>
-            <a:r>
-              <a:rPr lang="pt-PT" dirty="0" smtClean="0"/>
-              <a:t> </a:t>
-            </a:r>
-            <a:r>
-              <a:rPr lang="pt-PT" dirty="0" err="1" smtClean="0"/>
-              <a:t>countDownLatch</a:t>
-            </a:r>
-            <a:r>
-              <a:rPr lang="pt-PT" dirty="0" smtClean="0"/>
-              <a:t> </a:t>
-            </a:r>
-            <a:r>
-              <a:rPr lang="pt-PT" dirty="0" smtClean="0"/>
-              <a:t>  				.</a:t>
-            </a:r>
-            <a:r>
-              <a:rPr lang="pt-PT" dirty="0" err="1" smtClean="0"/>
-              <a:t>WithTimeout</a:t>
-            </a:r>
-            <a:r>
-              <a:rPr lang="pt-PT" dirty="0" smtClean="0"/>
-              <a:t>(1000)</a:t>
-            </a:r>
-            <a:br>
-              <a:rPr lang="pt-PT" dirty="0" smtClean="0"/>
-            </a:br>
-            <a:r>
-              <a:rPr lang="pt-PT" dirty="0" smtClean="0"/>
-              <a:t>	.</a:t>
-            </a:r>
-            <a:r>
-              <a:rPr lang="pt-PT" dirty="0" err="1" smtClean="0"/>
-              <a:t>WithCancellation</a:t>
-            </a:r>
-            <a:r>
-              <a:rPr lang="pt-PT" dirty="0" smtClean="0"/>
-              <a:t>(</a:t>
-            </a:r>
-            <a:r>
-              <a:rPr lang="pt-PT" dirty="0" err="1" smtClean="0"/>
-              <a:t>cancellationSource.Token</a:t>
-            </a:r>
-            <a:r>
-              <a:rPr lang="pt-PT" dirty="0" smtClean="0"/>
-              <a:t>);</a:t>
-            </a:r>
-            <a:endParaRPr lang="pt-PT" dirty="0"/>
-          </a:p>
-        </p:txBody>
-      </p:sp>
-    </p:spTree>
-  </p:cSld>
-  <p:clrMapOvr>
-    <a:masterClrMapping/>
-  </p:clrMapOvr>
-  <p:timing>
-    <p:tnLst>
-      <p:par>
-        <p:cTn id="1" dur="indefinite" restart="never" nodeType="tmRoot"/>
-      </p:par>
-    </p:tnLst>
-  </p:timing>
-</p:sld>
-</file>
-
-<file path=ppt/slides/slide11.xml><?xml version="1.0" encoding="utf-8"?>
-<p:sld xmlns:a="http://schemas.openxmlformats.org/drawingml/2006/main" xmlns:r="http://schemas.openxmlformats.org/officeDocument/2006/relationships" xmlns:p="http://schemas.openxmlformats.org/presentationml/2006/main">
-  <p:cSld>
-    <p:spTree>
-      <p:nvGrpSpPr>
-        <p:cNvPr id="1" name=""/>
-        <p:cNvGrpSpPr/>
-        <p:nvPr/>
-      </p:nvGrpSpPr>
-      <p:grpSpPr>
-        <a:xfrm>
-          <a:off x="0" y="0"/>
-          <a:ext cx="0" cy="0"/>
-          <a:chOff x="0" y="0"/>
-          <a:chExt cx="0" cy="0"/>
-        </a:xfrm>
-      </p:grpSpPr>
-      <p:sp>
-        <p:nvSpPr>
-          <p:cNvPr id="2" name="Título 1"/>
-          <p:cNvSpPr>
-            <a:spLocks noGrp="1"/>
-          </p:cNvSpPr>
-          <p:nvPr>
-            <p:ph type="title"/>
-          </p:nvPr>
-        </p:nvSpPr>
         <p:spPr/>
         <p:txBody>
           <a:bodyPr/>
@@ -4709,7 +4434,23 @@
             </a:pPr>
             <a:r>
               <a:rPr lang="pt-PT" sz="2400" dirty="0" smtClean="0"/>
-              <a:t>Demo da apresentação</a:t>
+              <a:t>Demo</a:t>
+            </a:r>
+            <a:r>
+              <a:rPr lang="pt-PT" sz="2400" dirty="0" smtClean="0"/>
+              <a:t>, Servidor &amp; Cliente TCP </a:t>
+            </a:r>
+            <a:r>
+              <a:rPr lang="pt-PT" sz="2400" dirty="0" err="1" smtClean="0"/>
+              <a:t>Async</a:t>
+            </a:r>
+            <a:r>
+              <a:rPr lang="pt-PT" sz="2400" dirty="0" smtClean="0"/>
+              <a:t>.</a:t>
+            </a:r>
+            <a:r>
+              <a:rPr lang="pt-PT" sz="2400" dirty="0" smtClean="0"/>
+              <a:t/>
             </a:r>
             <a:br>
               <a:rPr lang="pt-PT" sz="2400" dirty="0" smtClean="0"/>
@@ -4718,7 +4459,11 @@
               <a:rPr lang="pt-PT" sz="1800" dirty="0" smtClean="0">
                 <a:hlinkClick r:id="rId2"/>
               </a:rPr>
-              <a:t>https://github.com/DVDPT/Programmatically-Speaking-Repository/tree/master/AsyncStuff/AsyncDemo</a:t>
+              <a:t>https://github.com/DVDPT/Programmatically-Speaking-Repository/tree/master/AsyncStuff/</a:t>
+            </a:r>
+            <a:r>
+              <a:rPr lang="pt-PT" sz="1800" dirty="0" smtClean="0"/>
+              <a:t> (Abril 2011)</a:t>
             </a:r>
             <a:endParaRPr lang="pt-PT" sz="2400" dirty="0" smtClean="0"/>
           </a:p>
@@ -4754,7 +4499,10 @@
               </a:rPr>
               <a:t>http://www.wischik.com/lu/AsyncSilverlight/AsyncSamples.html</a:t>
             </a:r>
-            <a:endParaRPr lang="pt-PT" sz="2000" dirty="0" smtClean="0"/>
+            <a:r>
+              <a:rPr lang="pt-PT" sz="2000" dirty="0" smtClean="0"/>
+              <a:t> (Abril 2011)</a:t>
+            </a:r>
           </a:p>
           <a:p>
             <a:pPr>
@@ -4763,61 +4511,6 @@
               </a:lnSpc>
             </a:pPr>
             <a:r>
-              <a:rPr lang="pt-PT" sz="2400" dirty="0" err="1" smtClean="0"/>
-              <a:t>Parallel</a:t>
-            </a:r>
-            <a:r>
-              <a:rPr lang="pt-PT" sz="2400" dirty="0" smtClean="0"/>
-              <a:t> </a:t>
-            </a:r>
-            <a:r>
-              <a:rPr lang="pt-PT" sz="2400" dirty="0" err="1" smtClean="0"/>
-              <a:t>Programming</a:t>
-            </a:r>
-            <a:r>
-              <a:rPr lang="pt-PT" sz="2400" dirty="0" smtClean="0"/>
-              <a:t> </a:t>
-            </a:r>
-            <a:r>
-              <a:rPr lang="pt-PT" sz="2400" dirty="0" err="1" smtClean="0"/>
-              <a:t>team</a:t>
-            </a:r>
-            <a:r>
-              <a:rPr lang="pt-PT" sz="2400" dirty="0" smtClean="0"/>
-              <a:t> </a:t>
-            </a:r>
-            <a:r>
-              <a:rPr lang="pt-PT" sz="2400" dirty="0" err="1" smtClean="0"/>
-              <a:t>blog</a:t>
-            </a:r>
-            <a:r>
-              <a:rPr lang="pt-PT" sz="2400" dirty="0" smtClean="0"/>
-              <a:t/>
-            </a:r>
-            <a:br>
-              <a:rPr lang="pt-PT" sz="2400" dirty="0" smtClean="0"/>
-            </a:br>
-            <a:r>
-              <a:rPr lang="pt-PT" sz="1800" dirty="0" smtClean="0">
-                <a:hlinkClick r:id="rId4"/>
-              </a:rPr>
-              <a:t>http://blogs.msdn.com/b/pfxteam</a:t>
-            </a:r>
-            <a:r>
-              <a:rPr lang="pt-PT" sz="1800" dirty="0" smtClean="0">
-                <a:hlinkClick r:id="rId4"/>
-              </a:rPr>
-              <a:t>/</a:t>
-            </a:r>
-            <a:endParaRPr lang="pt-PT" sz="1800" dirty="0" smtClean="0"/>
-          </a:p>
-          <a:p>
-            <a:pPr>
-              <a:lnSpc>
-                <a:spcPct val="150000"/>
-              </a:lnSpc>
-            </a:pPr>
-            <a:r>
               <a:rPr lang="pt-PT" sz="2400" dirty="0" smtClean="0"/>
               <a:t>C# 5.0 </a:t>
             </a:r>
@@ -4827,11 +4520,7 @@
             </a:r>
             <a:r>
               <a:rPr lang="pt-PT" sz="2400" dirty="0" smtClean="0"/>
-              <a:t> </a:t>
-            </a:r>
-            <a:r>
-              <a:rPr lang="pt-PT" sz="2400" dirty="0" smtClean="0"/>
-              <a:t>CTP </a:t>
+              <a:t> CTP </a:t>
             </a:r>
             <a:r>
               <a:rPr lang="pt-PT" sz="1800" dirty="0" smtClean="0">
@@ -4849,6 +4538,10 @@
                 <a:hlinkClick r:id="rId3"/>
               </a:rPr>
               <a:t>http://msdn.microsoft.com/en-us/vstudio/gg316360</a:t>
+            </a:r>
+            <a:r>
+              <a:rPr lang="pt-PT" sz="1800" dirty="0" smtClean="0"/>
+              <a:t> (Abril 2011)</a:t>
             </a:r>
             <a:endParaRPr lang="pt-PT" sz="1800" dirty="0" smtClean="0">
               <a:hlinkClick r:id="rId3"/>
@@ -4868,7 +4561,7 @@
           <p:nvPr/>
         </p:nvPicPr>
         <p:blipFill>
-          <a:blip r:embed="rId5" cstate="print"/>
+          <a:blip r:embed="rId4" cstate="print"/>
           <a:srcRect/>
           <a:stretch>
             <a:fillRect/>
@@ -4876,8 +4569,8 @@
         </p:blipFill>
         <p:spPr bwMode="auto">
           <a:xfrm>
-            <a:off x="7092280" y="4941168"/>
-            <a:ext cx="1872208" cy="1872208"/>
+            <a:off x="3491880" y="5373216"/>
+            <a:ext cx="1368152" cy="1368152"/>
           </a:xfrm>
           <a:prstGeom prst="rect">
             <a:avLst/>
@@ -5215,8 +4908,13 @@
             </a:pPr>
             <a:r>
               <a:rPr lang="pt-PT" dirty="0" smtClean="0"/>
-              <a:t>Simplificar a programação assíncrona.</a:t>
-            </a:r>
+              <a:t>Optimizar a utilização </a:t>
+            </a:r>
+            <a:r>
+              <a:rPr lang="pt-PT" dirty="0" smtClean="0"/>
+              <a:t>de recursos. </a:t>
+            </a:r>
+            <a:endParaRPr lang="pt-PT" dirty="0" smtClean="0"/>
           </a:p>
           <a:p>
             <a:pPr>
@@ -5226,8 +4924,16 @@
             </a:pPr>
             <a:r>
               <a:rPr lang="pt-PT" dirty="0" smtClean="0"/>
-              <a:t>Optimizar o uso de recursos. </a:t>
-            </a:r>
+              <a:t>Simplificar a programação assíncrona.</a:t>
+            </a:r>
+          </a:p>
+          <a:p>
+            <a:pPr>
+              <a:lnSpc>
+                <a:spcPct val="150000"/>
+              </a:lnSpc>
+              <a:buNone/>
+            </a:pPr>
             <a:endParaRPr lang="pt-PT" dirty="0"/>
           </a:p>
         </p:txBody>
@@ -5337,19 +5043,7 @@
             </a:r>
             <a:r>
               <a:rPr lang="pt-PT" dirty="0" smtClean="0"/>
-              <a:t>utilizada para </a:t>
-            </a:r>
-            <a:r>
-              <a:rPr lang="pt-PT" dirty="0" smtClean="0"/>
-              <a:t>declarar métodos </a:t>
-            </a:r>
-            <a:r>
-              <a:rPr lang="pt-PT" dirty="0" smtClean="0"/>
-              <a:t>assíncronos.                         </a:t>
-            </a:r>
-            <a:r>
-              <a:rPr lang="pt-PT" dirty="0" smtClean="0"/>
-              <a:t>            </a:t>
+              <a:t>utilizada para declarar métodos assíncronos.                                     </a:t>
             </a:r>
             <a:r>
               <a:rPr lang="pt-PT" b="1" dirty="0" err="1" smtClean="0"/>
@@ -5422,7 +5116,7 @@
             </a:r>
             <a:r>
               <a:rPr lang="pt-PT" dirty="0" smtClean="0"/>
-              <a:t>utilizada nas chamadas a operações assíncronas.                     </a:t>
+              <a:t>utilizada nas ““esperas”” a operações assíncronas.                     </a:t>
             </a:r>
             <a:r>
               <a:rPr lang="pt-PT" b="1" dirty="0" err="1" smtClean="0"/>
@@ -5638,973 +5332,157 @@
           <a:chExt cx="0" cy="0"/>
         </a:xfrm>
       </p:grpSpPr>
-      <p:sp>
-        <p:nvSpPr>
-          <p:cNvPr id="2" name="Título 1"/>
-          <p:cNvSpPr>
-            <a:spLocks noGrp="1"/>
-          </p:cNvSpPr>
-          <p:nvPr>
-            <p:ph type="title"/>
-          </p:nvPr>
-        </p:nvSpPr>
-        <p:spPr/>
-        <p:txBody>
-          <a:bodyPr/>
-          <a:lstStyle/>
-          <a:p>
-            <a:r>
-              <a:rPr lang="pt-PT" dirty="0" smtClean="0"/>
-              <a:t>Funcionamento</a:t>
-            </a:r>
-            <a:endParaRPr lang="pt-PT" dirty="0"/>
-          </a:p>
-        </p:txBody>
-      </p:sp>
-      <p:sp>
-        <p:nvSpPr>
-          <p:cNvPr id="8" name="CaixaDeTexto 7"/>
-          <p:cNvSpPr txBox="1"/>
+      <p:pic>
+        <p:nvPicPr>
+          <p:cNvPr id="1035" name="Picture 11"/>
+          <p:cNvPicPr>
+            <a:picLocks noChangeAspect="1" noChangeArrowheads="1"/>
+          </p:cNvPicPr>
           <p:nvPr/>
-        </p:nvSpPr>
-        <p:spPr>
+        </p:nvPicPr>
+        <p:blipFill>
+          <a:blip r:embed="rId2" cstate="print"/>
+          <a:srcRect/>
+          <a:stretch>
+            <a:fillRect/>
+          </a:stretch>
+        </p:blipFill>
+        <p:spPr bwMode="auto">
           <a:xfrm>
-            <a:off x="179512" y="2017291"/>
-            <a:ext cx="5040560" cy="2923877"/>
+            <a:off x="1979712" y="1988840"/>
+            <a:ext cx="5976664" cy="3870681"/>
           </a:xfrm>
           <a:prstGeom prst="rect">
             <a:avLst/>
           </a:prstGeom>
           <a:noFill/>
+          <a:ln w="9525">
+            <a:noFill/>
+            <a:miter lim="800000"/>
+            <a:headEnd/>
+            <a:tailEnd/>
+          </a:ln>
         </p:spPr>
-        <p:txBody>
-          <a:bodyPr wrap="square" rtlCol="0">
-            <a:spAutoFit/>
-          </a:bodyPr>
-          <a:lstStyle/>
-          <a:p>
-            <a:r>
-              <a:rPr lang="pt-PT" sz="1400" dirty="0" smtClean="0">
-                <a:latin typeface="+mj-lt"/>
-              </a:rPr>
-              <a:t> </a:t>
-            </a:r>
-            <a:r>
-              <a:rPr lang="pt-PT" sz="1400" dirty="0" err="1" smtClean="0"/>
-              <a:t>op.OnStarted</a:t>
-            </a:r>
-            <a:r>
-              <a:rPr lang="pt-PT" sz="1400" dirty="0" smtClean="0"/>
-              <a:t>(); </a:t>
-            </a:r>
-            <a:r>
-              <a:rPr lang="pt-PT" sz="1400" dirty="0" smtClean="0">
-                <a:latin typeface="+mj-lt"/>
-              </a:rPr>
-              <a:t>       </a:t>
-            </a:r>
-            <a:r>
-              <a:rPr lang="pt-PT" sz="1400" dirty="0">
-                <a:latin typeface="+mj-lt"/>
-              </a:rPr>
-              <a:t/>
-            </a:r>
-            <a:br>
-              <a:rPr lang="pt-PT" sz="1400" dirty="0">
-                <a:latin typeface="+mj-lt"/>
-              </a:rPr>
-            </a:br>
-            <a:r>
-              <a:rPr lang="pt-PT" sz="1400" b="1" dirty="0" err="1" smtClean="0">
-                <a:solidFill>
-                  <a:schemeClr val="accent1"/>
-                </a:solidFill>
-                <a:latin typeface="+mj-lt"/>
-              </a:rPr>
-              <a:t>bool</a:t>
-            </a:r>
-            <a:r>
-              <a:rPr lang="pt-PT" sz="1400" dirty="0" smtClean="0">
-                <a:latin typeface="+mj-lt"/>
-              </a:rPr>
-              <a:t> </a:t>
-            </a:r>
-            <a:r>
-              <a:rPr lang="pt-PT" sz="1400" dirty="0" err="1" smtClean="0">
-                <a:latin typeface="+mj-lt"/>
-              </a:rPr>
-              <a:t>wasCompleted</a:t>
-            </a:r>
-            <a:r>
-              <a:rPr lang="pt-PT" sz="1400" dirty="0" smtClean="0">
-                <a:latin typeface="+mj-lt"/>
-              </a:rPr>
-              <a:t> </a:t>
-            </a:r>
-            <a:br>
-              <a:rPr lang="pt-PT" sz="1400" dirty="0" smtClean="0">
-                <a:latin typeface="+mj-lt"/>
-              </a:rPr>
-            </a:br>
-            <a:r>
-              <a:rPr lang="pt-PT" sz="1400" dirty="0" smtClean="0">
-                <a:latin typeface="+mj-lt"/>
-              </a:rPr>
-              <a:t>= </a:t>
-            </a:r>
-          </a:p>
-          <a:p>
-            <a:r>
-              <a:rPr lang="pt-PT" sz="1600" b="1" dirty="0" err="1" smtClean="0">
-                <a:solidFill>
-                  <a:schemeClr val="accent1"/>
-                </a:solidFill>
-                <a:latin typeface="+mj-lt"/>
-              </a:rPr>
-              <a:t>await</a:t>
-            </a:r>
-            <a:r>
-              <a:rPr lang="pt-PT" sz="1400" dirty="0" smtClean="0">
-                <a:latin typeface="+mj-lt"/>
-              </a:rPr>
-              <a:t> </a:t>
-            </a:r>
-            <a:r>
-              <a:rPr lang="pt-PT" sz="1400" dirty="0" err="1" smtClean="0">
-                <a:latin typeface="+mj-lt"/>
-              </a:rPr>
-              <a:t>CpuBoundOperation</a:t>
-            </a:r>
-            <a:r>
-              <a:rPr lang="pt-PT" sz="1400" dirty="0" smtClean="0">
-                <a:latin typeface="+mj-lt"/>
-              </a:rPr>
-              <a:t>(</a:t>
-            </a:r>
-            <a:r>
-              <a:rPr lang="pt-PT" sz="1400" dirty="0" err="1" smtClean="0">
-                <a:latin typeface="+mj-lt"/>
-              </a:rPr>
-              <a:t>op</a:t>
-            </a:r>
-            <a:r>
-              <a:rPr lang="pt-PT" sz="1400" dirty="0" smtClean="0">
-                <a:latin typeface="+mj-lt"/>
-              </a:rPr>
-              <a:t>);</a:t>
-            </a:r>
-          </a:p>
-          <a:p>
-            <a:endParaRPr lang="pt-PT" sz="1400" dirty="0">
-              <a:latin typeface="+mj-lt"/>
-            </a:endParaRPr>
-          </a:p>
-          <a:p>
-            <a:r>
-              <a:rPr lang="pt-PT" sz="1400" b="1" dirty="0" err="1" smtClean="0">
-                <a:solidFill>
-                  <a:schemeClr val="accent1"/>
-                </a:solidFill>
-              </a:rPr>
-              <a:t>if</a:t>
-            </a:r>
-            <a:r>
-              <a:rPr lang="pt-PT" sz="1400" b="1" dirty="0" smtClean="0">
-                <a:solidFill>
-                  <a:schemeClr val="accent1"/>
-                </a:solidFill>
-              </a:rPr>
-              <a:t> </a:t>
-            </a:r>
-            <a:r>
-              <a:rPr lang="pt-PT" sz="1400" dirty="0" smtClean="0"/>
-              <a:t>(</a:t>
-            </a:r>
-            <a:r>
-              <a:rPr lang="pt-PT" sz="1400" dirty="0" err="1" smtClean="0"/>
-              <a:t>wasCompleted</a:t>
-            </a:r>
-            <a:r>
-              <a:rPr lang="pt-PT" sz="1400" dirty="0" smtClean="0"/>
-              <a:t>) </a:t>
-            </a:r>
-          </a:p>
-          <a:p>
-            <a:r>
-              <a:rPr lang="pt-PT" sz="1400" dirty="0"/>
-              <a:t> </a:t>
-            </a:r>
-            <a:r>
-              <a:rPr lang="pt-PT" sz="1400" dirty="0" smtClean="0"/>
-              <a:t>    </a:t>
-            </a:r>
-            <a:r>
-              <a:rPr lang="pt-PT" sz="1400" dirty="0" err="1" smtClean="0"/>
-              <a:t>op.OnEnded</a:t>
-            </a:r>
-            <a:r>
-              <a:rPr lang="pt-PT" sz="1400" dirty="0" smtClean="0"/>
-              <a:t>();</a:t>
-            </a:r>
-          </a:p>
-          <a:p>
-            <a:r>
-              <a:rPr lang="pt-PT" sz="1400" dirty="0" smtClean="0"/>
-              <a:t>        </a:t>
-            </a:r>
-          </a:p>
-          <a:p>
-            <a:r>
-              <a:rPr lang="pt-PT" sz="1400" b="1" dirty="0" err="1" smtClean="0">
-                <a:solidFill>
-                  <a:schemeClr val="accent1"/>
-                </a:solidFill>
-              </a:rPr>
-              <a:t>else</a:t>
-            </a:r>
-            <a:r>
-              <a:rPr lang="pt-PT" sz="1400" dirty="0" smtClean="0"/>
-              <a:t>  </a:t>
-            </a:r>
-          </a:p>
-          <a:p>
-            <a:r>
-              <a:rPr lang="pt-PT" sz="1400" dirty="0" smtClean="0"/>
-              <a:t>     </a:t>
-            </a:r>
-            <a:r>
-              <a:rPr lang="pt-PT" sz="1400" dirty="0" err="1" smtClean="0"/>
-              <a:t>op.OnCancel</a:t>
-            </a:r>
-            <a:r>
-              <a:rPr lang="pt-PT" sz="1400" dirty="0" smtClean="0"/>
-              <a:t>();</a:t>
-            </a:r>
-          </a:p>
-          <a:p>
-            <a:r>
-              <a:rPr lang="pt-PT" sz="1400" dirty="0" smtClean="0"/>
-              <a:t>        </a:t>
-            </a:r>
-          </a:p>
-          <a:p>
-            <a:r>
-              <a:rPr lang="pt-PT" sz="1400" dirty="0" smtClean="0">
-                <a:latin typeface="+mj-lt"/>
-              </a:rPr>
-              <a:t>                                  </a:t>
-            </a:r>
-          </a:p>
-          <a:p>
-            <a:r>
-              <a:rPr lang="pt-PT" sz="1400" dirty="0" smtClean="0">
-                <a:latin typeface="+mj-lt"/>
-              </a:rPr>
-              <a:t>      </a:t>
-            </a:r>
-            <a:r>
-              <a:rPr lang="pt-PT" sz="1400" dirty="0">
-                <a:latin typeface="+mj-lt"/>
-              </a:rPr>
-              <a:t> </a:t>
-            </a:r>
-            <a:endParaRPr lang="pt-PT" sz="1400" dirty="0" smtClean="0">
-              <a:latin typeface="+mj-lt"/>
-            </a:endParaRPr>
-          </a:p>
-        </p:txBody>
-      </p:sp>
-      <p:sp>
-        <p:nvSpPr>
-          <p:cNvPr id="10" name="CaixaDeTexto 9"/>
-          <p:cNvSpPr txBox="1"/>
-          <p:nvPr/>
+      </p:pic>
+      <p:sp>
+        <p:nvSpPr>
+          <p:cNvPr id="2" name="Título 1"/>
+          <p:cNvSpPr>
+            <a:spLocks noGrp="1"/>
+          </p:cNvSpPr>
+          <p:nvPr>
+            <p:ph type="title"/>
+          </p:nvPr>
         </p:nvSpPr>
         <p:spPr>
           <a:xfrm>
-            <a:off x="179512" y="1484784"/>
-            <a:ext cx="2808312" cy="461665"/>
+            <a:off x="467544" y="88040"/>
+            <a:ext cx="8229600" cy="1252728"/>
+          </a:xfrm>
+        </p:spPr>
+        <p:txBody>
+          <a:bodyPr/>
+          <a:lstStyle/>
+          <a:p>
+            <a:r>
+              <a:rPr lang="pt-PT" dirty="0" smtClean="0"/>
+              <a:t>Funcionamento</a:t>
+            </a:r>
+            <a:endParaRPr lang="pt-PT" dirty="0"/>
+          </a:p>
+        </p:txBody>
+      </p:sp>
+      <p:pic>
+        <p:nvPicPr>
+          <p:cNvPr id="1031" name="Picture 7"/>
+          <p:cNvPicPr>
+            <a:picLocks noChangeAspect="1" noChangeArrowheads="1"/>
+          </p:cNvPicPr>
+          <p:nvPr/>
+        </p:nvPicPr>
+        <p:blipFill>
+          <a:blip r:embed="rId3" cstate="print"/>
+          <a:srcRect/>
+          <a:stretch>
+            <a:fillRect/>
+          </a:stretch>
+        </p:blipFill>
+        <p:spPr bwMode="auto">
+          <a:xfrm>
+            <a:off x="0" y="1412776"/>
+            <a:ext cx="3324225" cy="933450"/>
           </a:xfrm>
           <a:prstGeom prst="rect">
             <a:avLst/>
           </a:prstGeom>
           <a:noFill/>
+          <a:ln w="9525">
+            <a:noFill/>
+            <a:miter lim="800000"/>
+            <a:headEnd/>
+            <a:tailEnd/>
+          </a:ln>
         </p:spPr>
-        <p:txBody>
-          <a:bodyPr wrap="square" rtlCol="0">
-            <a:spAutoFit/>
-          </a:bodyPr>
-          <a:lstStyle/>
-          <a:p>
-            <a:r>
-              <a:rPr lang="pt-PT" sz="2400" b="1" dirty="0">
-                <a:solidFill>
-                  <a:schemeClr val="accent1">
-                    <a:satMod val="150000"/>
-                  </a:schemeClr>
-                </a:solidFill>
-                <a:latin typeface="+mj-lt"/>
-                <a:ea typeface="+mj-ea"/>
-                <a:cs typeface="+mj-cs"/>
-              </a:rPr>
-              <a:t>Código Fonte</a:t>
-            </a:r>
-          </a:p>
-        </p:txBody>
-      </p:sp>
-      <p:sp>
-        <p:nvSpPr>
-          <p:cNvPr id="11" name="CaixaDeTexto 10"/>
-          <p:cNvSpPr txBox="1"/>
+      </p:pic>
+      <p:pic>
+        <p:nvPicPr>
+          <p:cNvPr id="1033" name="Picture 9"/>
+          <p:cNvPicPr>
+            <a:picLocks noChangeAspect="1" noChangeArrowheads="1"/>
+          </p:cNvPicPr>
           <p:nvPr/>
-        </p:nvSpPr>
-        <p:spPr>
+        </p:nvPicPr>
+        <p:blipFill>
+          <a:blip r:embed="rId4" cstate="print"/>
+          <a:srcRect/>
+          <a:stretch>
+            <a:fillRect/>
+          </a:stretch>
+        </p:blipFill>
+        <p:spPr bwMode="auto">
           <a:xfrm>
-            <a:off x="3491880" y="1484784"/>
-            <a:ext cx="5976664" cy="461665"/>
+            <a:off x="5508104" y="5373216"/>
+            <a:ext cx="3419475" cy="1200150"/>
           </a:xfrm>
           <a:prstGeom prst="rect">
             <a:avLst/>
           </a:prstGeom>
           <a:noFill/>
+          <a:ln w="9525">
+            <a:noFill/>
+            <a:miter lim="800000"/>
+            <a:headEnd/>
+            <a:tailEnd/>
+          </a:ln>
         </p:spPr>
-        <p:txBody>
-          <a:bodyPr wrap="square" rtlCol="0">
-            <a:spAutoFit/>
-          </a:bodyPr>
-          <a:lstStyle/>
-          <a:p>
-            <a:r>
-              <a:rPr lang="pt-PT" sz="2400" b="1" dirty="0">
-                <a:solidFill>
-                  <a:schemeClr val="accent1">
-                    <a:satMod val="150000"/>
-                  </a:schemeClr>
-                </a:solidFill>
-                <a:latin typeface="+mj-lt"/>
-                <a:ea typeface="+mj-ea"/>
-                <a:cs typeface="+mj-cs"/>
-              </a:rPr>
-              <a:t>Código </a:t>
-            </a:r>
-            <a:r>
-              <a:rPr lang="pt-PT" sz="2400" b="1" dirty="0" smtClean="0">
-                <a:solidFill>
-                  <a:schemeClr val="accent1">
-                    <a:satMod val="150000"/>
-                  </a:schemeClr>
-                </a:solidFill>
-                <a:latin typeface="+mj-lt"/>
-                <a:ea typeface="+mj-ea"/>
-                <a:cs typeface="+mj-cs"/>
-              </a:rPr>
-              <a:t>Gerado pelo Compilador</a:t>
-            </a:r>
-            <a:endParaRPr lang="pt-PT" sz="2400" b="1" dirty="0">
-              <a:solidFill>
-                <a:schemeClr val="accent1">
-                  <a:satMod val="150000"/>
-                </a:schemeClr>
-              </a:solidFill>
-              <a:latin typeface="+mj-lt"/>
-              <a:ea typeface="+mj-ea"/>
-              <a:cs typeface="+mj-cs"/>
-            </a:endParaRPr>
-          </a:p>
-        </p:txBody>
-      </p:sp>
-      <p:cxnSp>
-        <p:nvCxnSpPr>
-          <p:cNvPr id="15" name="Conexão recta 14"/>
-          <p:cNvCxnSpPr/>
+      </p:pic>
+      <p:sp>
+        <p:nvSpPr>
+          <p:cNvPr id="27" name="Seta em ângulo recto para cima 26"/>
+          <p:cNvSpPr/>
           <p:nvPr/>
-        </p:nvCxnSpPr>
+        </p:nvSpPr>
         <p:spPr>
           <a:xfrm rot="5400000">
-            <a:off x="589248" y="4198776"/>
-            <a:ext cx="5517232" cy="0"/>
+            <a:off x="2051720" y="1844824"/>
+            <a:ext cx="504056" cy="1368152"/>
           </a:xfrm>
-          <a:prstGeom prst="line">
-            <a:avLst/>
-          </a:prstGeom>
-          <a:ln>
-            <a:solidFill>
-              <a:schemeClr val="tx1"/>
-            </a:solidFill>
-          </a:ln>
-        </p:spPr>
-        <p:style>
-          <a:lnRef idx="2">
-            <a:schemeClr val="dk1"/>
-          </a:lnRef>
-          <a:fillRef idx="0">
-            <a:schemeClr val="dk1"/>
-          </a:fillRef>
-          <a:effectRef idx="1">
-            <a:schemeClr val="dk1"/>
-          </a:effectRef>
-          <a:fontRef idx="minor">
-            <a:schemeClr val="tx1"/>
-          </a:fontRef>
-        </p:style>
-      </p:cxnSp>
-      <p:sp>
-        <p:nvSpPr>
-          <p:cNvPr id="17" name="CaixaDeTexto 16"/>
-          <p:cNvSpPr txBox="1"/>
-          <p:nvPr/>
-        </p:nvSpPr>
-        <p:spPr>
-          <a:xfrm>
-            <a:off x="3347864" y="1992317"/>
-            <a:ext cx="7632848" cy="5109091"/>
-          </a:xfrm>
-          <a:prstGeom prst="rect">
-            <a:avLst/>
-          </a:prstGeom>
-          <a:noFill/>
-        </p:spPr>
-        <p:txBody>
-          <a:bodyPr wrap="square" rtlCol="0">
-            <a:spAutoFit/>
-          </a:bodyPr>
-          <a:lstStyle/>
-          <a:p>
-            <a:r>
-              <a:rPr lang="pt-PT" sz="1400" dirty="0" smtClean="0"/>
-              <a:t> </a:t>
-            </a:r>
-            <a:r>
-              <a:rPr lang="pt-PT" sz="1400" b="1" dirty="0" err="1" smtClean="0">
-                <a:solidFill>
-                  <a:schemeClr val="accent1"/>
-                </a:solidFill>
-              </a:rPr>
-              <a:t>bool</a:t>
-            </a:r>
-            <a:r>
-              <a:rPr lang="pt-PT" sz="1400" dirty="0" smtClean="0"/>
-              <a:t> </a:t>
-            </a:r>
-            <a:r>
-              <a:rPr lang="pt-PT" sz="1400" dirty="0" err="1" smtClean="0"/>
-              <a:t>wasCompleted</a:t>
-            </a:r>
-            <a:r>
-              <a:rPr lang="pt-PT" sz="1400" dirty="0" smtClean="0"/>
-              <a:t>;</a:t>
-            </a:r>
-            <a:br>
-              <a:rPr lang="pt-PT" sz="1400" dirty="0" smtClean="0"/>
-            </a:br>
-            <a:r>
-              <a:rPr lang="pt-PT" sz="1400" dirty="0" smtClean="0"/>
-              <a:t>        </a:t>
-            </a:r>
-            <a:r>
-              <a:rPr lang="pt-PT" sz="1400" b="1" dirty="0" err="1" smtClean="0">
-                <a:solidFill>
-                  <a:schemeClr val="accent1"/>
-                </a:solidFill>
-              </a:rPr>
-              <a:t>if</a:t>
-            </a:r>
-            <a:r>
-              <a:rPr lang="pt-PT" sz="1400" dirty="0" smtClean="0"/>
-              <a:t> (</a:t>
-            </a:r>
-            <a:r>
-              <a:rPr lang="pt-PT" sz="1400" dirty="0" err="1" smtClean="0"/>
-              <a:t>this.state</a:t>
-            </a:r>
-            <a:r>
-              <a:rPr lang="pt-PT" sz="1400" dirty="0" smtClean="0"/>
-              <a:t> != 1)</a:t>
-            </a:r>
-          </a:p>
-          <a:p>
-            <a:r>
-              <a:rPr lang="pt-PT" sz="1400" dirty="0" smtClean="0"/>
-              <a:t>        {</a:t>
-            </a:r>
-          </a:p>
-          <a:p>
-            <a:r>
-              <a:rPr lang="pt-PT" sz="1400" dirty="0"/>
-              <a:t> </a:t>
-            </a:r>
-            <a:r>
-              <a:rPr lang="pt-PT" sz="1400" dirty="0" smtClean="0"/>
-              <a:t>           </a:t>
-            </a:r>
-            <a:r>
-              <a:rPr lang="pt-PT" sz="1400" b="1" dirty="0" err="1" smtClean="0">
-                <a:solidFill>
-                  <a:schemeClr val="accent1"/>
-                </a:solidFill>
-              </a:rPr>
-              <a:t>if</a:t>
-            </a:r>
-            <a:r>
-              <a:rPr lang="pt-PT" sz="1400" dirty="0" smtClean="0"/>
-              <a:t> (</a:t>
-            </a:r>
-            <a:r>
-              <a:rPr lang="pt-PT" sz="1400" dirty="0" err="1" smtClean="0"/>
-              <a:t>this.state</a:t>
-            </a:r>
-            <a:r>
-              <a:rPr lang="pt-PT" sz="1400" dirty="0" smtClean="0"/>
-              <a:t> != -1)</a:t>
-            </a:r>
-          </a:p>
-          <a:p>
-            <a:r>
-              <a:rPr lang="pt-PT" sz="1400" dirty="0" smtClean="0"/>
-              <a:t>            {</a:t>
-            </a:r>
-          </a:p>
-          <a:p>
-            <a:r>
-              <a:rPr lang="pt-PT" sz="1400" dirty="0" smtClean="0"/>
-              <a:t>                </a:t>
-            </a:r>
-            <a:r>
-              <a:rPr lang="pt-PT" sz="1400" dirty="0" err="1" smtClean="0"/>
-              <a:t>op.OnStarted</a:t>
-            </a:r>
-            <a:r>
-              <a:rPr lang="pt-PT" sz="1400" dirty="0" smtClean="0"/>
-              <a:t>();</a:t>
-            </a:r>
-          </a:p>
-          <a:p>
-            <a:r>
-              <a:rPr lang="pt-PT" sz="1400" dirty="0" smtClean="0"/>
-              <a:t>                </a:t>
-            </a:r>
-            <a:r>
-              <a:rPr lang="pt-PT" sz="1400" b="1" dirty="0" err="1" smtClean="0">
-                <a:solidFill>
-                  <a:schemeClr val="accent1"/>
-                </a:solidFill>
-              </a:rPr>
-              <a:t>this.</a:t>
-            </a:r>
-            <a:r>
-              <a:rPr lang="pt-PT" sz="1400" dirty="0" err="1" smtClean="0"/>
-              <a:t>awaiter</a:t>
-            </a:r>
-            <a:r>
-              <a:rPr lang="pt-PT" sz="1400" dirty="0" smtClean="0"/>
-              <a:t> = </a:t>
-            </a:r>
-            <a:r>
-              <a:rPr lang="pt-PT" sz="1400" dirty="0" err="1" smtClean="0"/>
-              <a:t>CpuBoundOperation</a:t>
-            </a:r>
-            <a:r>
-              <a:rPr lang="pt-PT" sz="1400" dirty="0" smtClean="0"/>
-              <a:t>(</a:t>
-            </a:r>
-            <a:r>
-              <a:rPr lang="pt-PT" sz="1400" dirty="0" err="1" smtClean="0"/>
-              <a:t>this.op</a:t>
-            </a:r>
-            <a:r>
-              <a:rPr lang="pt-PT" sz="1400" dirty="0" smtClean="0"/>
-              <a:t>)</a:t>
-            </a:r>
-          </a:p>
-          <a:p>
-            <a:r>
-              <a:rPr lang="pt-PT" sz="1400" dirty="0"/>
-              <a:t> </a:t>
-            </a:r>
-            <a:r>
-              <a:rPr lang="pt-PT" sz="1400" dirty="0" smtClean="0"/>
-              <a:t>                                               .</a:t>
-            </a:r>
-            <a:r>
-              <a:rPr lang="pt-PT" sz="1400" b="1" dirty="0" err="1" smtClean="0">
-                <a:solidFill>
-                  <a:srgbClr val="0070C0"/>
-                </a:solidFill>
-              </a:rPr>
-              <a:t>GetAwaiter&lt;bool</a:t>
-            </a:r>
-            <a:r>
-              <a:rPr lang="pt-PT" sz="1400" b="1" dirty="0" smtClean="0">
-                <a:solidFill>
-                  <a:srgbClr val="0070C0"/>
-                </a:solidFill>
-              </a:rPr>
-              <a:t>&gt;</a:t>
-            </a:r>
-            <a:r>
-              <a:rPr lang="pt-PT" sz="1400" dirty="0" smtClean="0"/>
-              <a:t>();</a:t>
-            </a:r>
-          </a:p>
-          <a:p>
-            <a:r>
-              <a:rPr lang="pt-PT" sz="1400" b="1" dirty="0" smtClean="0">
-                <a:solidFill>
-                  <a:schemeClr val="accent1"/>
-                </a:solidFill>
-              </a:rPr>
-              <a:t>                </a:t>
-            </a:r>
-            <a:r>
-              <a:rPr lang="pt-PT" sz="1400" b="1" dirty="0" err="1" smtClean="0">
-                <a:solidFill>
-                  <a:schemeClr val="accent1"/>
-                </a:solidFill>
-              </a:rPr>
-              <a:t>if</a:t>
-            </a:r>
-            <a:r>
-              <a:rPr lang="pt-PT" sz="1400" b="1" dirty="0" smtClean="0">
-                <a:solidFill>
-                  <a:schemeClr val="accent1"/>
-                </a:solidFill>
-              </a:rPr>
-              <a:t> </a:t>
-            </a:r>
-            <a:r>
-              <a:rPr lang="pt-PT" sz="1400" dirty="0" smtClean="0"/>
-              <a:t>(</a:t>
-            </a:r>
-            <a:r>
-              <a:rPr lang="pt-PT" sz="1400" dirty="0" err="1" smtClean="0"/>
-              <a:t>this.awaiter.</a:t>
-            </a:r>
-            <a:r>
-              <a:rPr lang="pt-PT" sz="1400" b="1" dirty="0" err="1" smtClean="0">
-                <a:solidFill>
-                  <a:srgbClr val="0070C0"/>
-                </a:solidFill>
-              </a:rPr>
-              <a:t>IsCompleted</a:t>
-            </a:r>
-            <a:r>
-              <a:rPr lang="pt-PT" sz="1400" dirty="0" smtClean="0"/>
-              <a:t>)</a:t>
-            </a:r>
-          </a:p>
-          <a:p>
-            <a:r>
-              <a:rPr lang="pt-PT" sz="1400" dirty="0" smtClean="0"/>
-              <a:t>                    </a:t>
-            </a:r>
-            <a:r>
-              <a:rPr lang="pt-PT" sz="1400" b="1" dirty="0" smtClean="0">
-                <a:solidFill>
-                  <a:srgbClr val="FFC000"/>
-                </a:solidFill>
-              </a:rPr>
-              <a:t>goto</a:t>
-            </a:r>
-            <a:r>
-              <a:rPr lang="pt-PT" sz="1400" dirty="0" smtClean="0"/>
-              <a:t> </a:t>
-            </a:r>
-            <a:r>
-              <a:rPr lang="pt-PT" sz="1400" dirty="0" smtClean="0"/>
-              <a:t>ASYNC_OPERATION_COMPLETED</a:t>
-            </a:r>
-            <a:r>
-              <a:rPr lang="pt-PT" sz="1400" dirty="0" smtClean="0"/>
-              <a:t>;</a:t>
-            </a:r>
-          </a:p>
-          <a:p>
-            <a:r>
-              <a:rPr lang="pt-PT" sz="1400" dirty="0" smtClean="0"/>
-              <a:t>                </a:t>
-            </a:r>
-          </a:p>
-          <a:p>
-            <a:r>
-              <a:rPr lang="pt-PT" sz="1400" dirty="0" smtClean="0"/>
-              <a:t>                </a:t>
-            </a:r>
-            <a:r>
-              <a:rPr lang="pt-PT" sz="1400" b="1" dirty="0" err="1" smtClean="0">
-                <a:solidFill>
-                  <a:schemeClr val="accent1"/>
-                </a:solidFill>
-              </a:rPr>
-              <a:t>this.</a:t>
-            </a:r>
-            <a:r>
-              <a:rPr lang="pt-PT" sz="1400" dirty="0" err="1" smtClean="0"/>
-              <a:t>state</a:t>
-            </a:r>
-            <a:r>
-              <a:rPr lang="pt-PT" sz="1400" dirty="0" smtClean="0"/>
-              <a:t> = 1;</a:t>
-            </a:r>
-          </a:p>
-          <a:p>
-            <a:r>
-              <a:rPr lang="pt-PT" sz="1400" dirty="0" smtClean="0"/>
-              <a:t>	 </a:t>
-            </a:r>
-            <a:r>
-              <a:rPr lang="pt-PT" sz="1400" b="1" dirty="0" err="1">
-                <a:solidFill>
-                  <a:schemeClr val="accent1"/>
-                </a:solidFill>
-              </a:rPr>
-              <a:t>this</a:t>
-            </a:r>
-            <a:r>
-              <a:rPr lang="pt-PT" sz="1400" dirty="0" err="1" smtClean="0"/>
-              <a:t>.awaiter.</a:t>
-            </a:r>
-            <a:r>
-              <a:rPr lang="pt-PT" sz="1400" b="1" dirty="0" err="1" smtClean="0">
-                <a:solidFill>
-                  <a:srgbClr val="0070C0"/>
-                </a:solidFill>
-              </a:rPr>
-              <a:t>OnCompleted</a:t>
-            </a:r>
-            <a:r>
-              <a:rPr lang="pt-PT" sz="1400" dirty="0" smtClean="0"/>
-              <a:t>(</a:t>
-            </a:r>
-            <a:r>
-              <a:rPr lang="pt-PT" sz="1400" dirty="0" err="1" smtClean="0"/>
-              <a:t>callback</a:t>
-            </a:r>
-            <a:r>
-              <a:rPr lang="pt-PT" sz="1400" dirty="0" smtClean="0"/>
-              <a:t>);</a:t>
-            </a:r>
-          </a:p>
-          <a:p>
-            <a:r>
-              <a:rPr lang="pt-PT" sz="1400" dirty="0" smtClean="0"/>
-              <a:t>            }</a:t>
-            </a:r>
-            <a:br>
-              <a:rPr lang="pt-PT" sz="1400" dirty="0" smtClean="0"/>
-            </a:br>
-            <a:r>
-              <a:rPr lang="pt-PT" sz="1400" dirty="0" smtClean="0"/>
-              <a:t>            </a:t>
-            </a:r>
-            <a:r>
-              <a:rPr lang="pt-PT" b="1" dirty="0" err="1" smtClean="0">
-                <a:solidFill>
-                  <a:srgbClr val="0070C0"/>
-                </a:solidFill>
-              </a:rPr>
-              <a:t>return</a:t>
-            </a:r>
-            <a:r>
-              <a:rPr lang="pt-PT" sz="1400" dirty="0" smtClean="0"/>
-              <a:t>;</a:t>
-            </a:r>
-          </a:p>
-          <a:p>
-            <a:r>
-              <a:rPr lang="pt-PT" sz="1400" dirty="0" smtClean="0"/>
-              <a:t>        }</a:t>
-            </a:r>
-          </a:p>
-          <a:p>
-            <a:r>
-              <a:rPr lang="pt-PT" sz="1400" dirty="0" smtClean="0"/>
-              <a:t>        </a:t>
-            </a:r>
-            <a:r>
-              <a:rPr lang="pt-PT" sz="1400" b="1" dirty="0" err="1">
-                <a:solidFill>
-                  <a:schemeClr val="accent1"/>
-                </a:solidFill>
-              </a:rPr>
-              <a:t>this.</a:t>
-            </a:r>
-            <a:r>
-              <a:rPr lang="pt-PT" sz="1400" dirty="0" err="1" smtClean="0"/>
-              <a:t>state</a:t>
-            </a:r>
-            <a:r>
-              <a:rPr lang="pt-PT" sz="1400" dirty="0" smtClean="0"/>
-              <a:t> = 0;</a:t>
-            </a:r>
-          </a:p>
-          <a:p>
-            <a:r>
-              <a:rPr lang="pt-PT" sz="1400" dirty="0" smtClean="0"/>
-              <a:t>ASYNC_OPERATIONS_COMPLETED</a:t>
-            </a:r>
-            <a:r>
-              <a:rPr lang="pt-PT" sz="1400" dirty="0" smtClean="0"/>
-              <a:t>:</a:t>
-            </a:r>
-          </a:p>
-          <a:p>
-            <a:r>
-              <a:rPr lang="pt-PT" sz="1400" dirty="0"/>
-              <a:t> </a:t>
-            </a:r>
-            <a:r>
-              <a:rPr lang="pt-PT" sz="1400" dirty="0" smtClean="0"/>
-              <a:t>      </a:t>
-            </a:r>
-            <a:r>
-              <a:rPr lang="pt-PT" sz="1400" dirty="0" err="1" smtClean="0"/>
-              <a:t>wasCompleted</a:t>
-            </a:r>
-            <a:r>
-              <a:rPr lang="pt-PT" sz="1400" dirty="0" smtClean="0"/>
-              <a:t> = </a:t>
-            </a:r>
-            <a:r>
-              <a:rPr lang="pt-PT" sz="1400" b="1" dirty="0" err="1">
-                <a:solidFill>
-                  <a:schemeClr val="accent1"/>
-                </a:solidFill>
-              </a:rPr>
-              <a:t>this</a:t>
-            </a:r>
-            <a:r>
-              <a:rPr lang="pt-PT" sz="1400" dirty="0" err="1" smtClean="0"/>
-              <a:t>.awaiter.</a:t>
-            </a:r>
-            <a:r>
-              <a:rPr lang="pt-PT" sz="1400" b="1" dirty="0" err="1" smtClean="0">
-                <a:solidFill>
-                  <a:srgbClr val="0070C0"/>
-                </a:solidFill>
-              </a:rPr>
-              <a:t>GetResult</a:t>
-            </a:r>
-            <a:r>
-              <a:rPr lang="pt-PT" sz="1400" dirty="0" smtClean="0"/>
-              <a:t>();</a:t>
-            </a:r>
-          </a:p>
-          <a:p>
-            <a:r>
-              <a:rPr lang="pt-PT" sz="1400" b="1" dirty="0" smtClean="0">
-                <a:solidFill>
-                  <a:schemeClr val="accent1"/>
-                </a:solidFill>
-              </a:rPr>
-              <a:t>         </a:t>
-            </a:r>
-            <a:r>
-              <a:rPr lang="pt-PT" sz="1400" b="1" dirty="0" err="1" smtClean="0">
-                <a:solidFill>
-                  <a:schemeClr val="accent1"/>
-                </a:solidFill>
-              </a:rPr>
-              <a:t>if</a:t>
-            </a:r>
-            <a:r>
-              <a:rPr lang="pt-PT" sz="1400" b="1" dirty="0" smtClean="0">
-                <a:solidFill>
-                  <a:schemeClr val="accent1"/>
-                </a:solidFill>
-              </a:rPr>
-              <a:t> </a:t>
-            </a:r>
-            <a:r>
-              <a:rPr lang="pt-PT" sz="1400" dirty="0" smtClean="0"/>
-              <a:t>(</a:t>
-            </a:r>
-            <a:r>
-              <a:rPr lang="pt-PT" sz="1400" dirty="0" err="1" smtClean="0"/>
-              <a:t>wasCompleted</a:t>
-            </a:r>
-            <a:r>
-              <a:rPr lang="pt-PT" sz="1400" dirty="0" smtClean="0"/>
-              <a:t>) </a:t>
-            </a:r>
-            <a:r>
-              <a:rPr lang="pt-PT" sz="1400" dirty="0" err="1" smtClean="0"/>
-              <a:t>op.OnEnded</a:t>
-            </a:r>
-            <a:r>
-              <a:rPr lang="pt-PT" sz="1400" dirty="0" smtClean="0"/>
-              <a:t>();</a:t>
-            </a:r>
-          </a:p>
-          <a:p>
-            <a:r>
-              <a:rPr lang="pt-PT" sz="1400" dirty="0" smtClean="0"/>
-              <a:t>        </a:t>
-            </a:r>
-            <a:r>
-              <a:rPr lang="pt-PT" sz="1400" b="1" dirty="0" err="1">
-                <a:solidFill>
-                  <a:schemeClr val="accent1"/>
-                </a:solidFill>
-              </a:rPr>
-              <a:t>else</a:t>
-            </a:r>
-            <a:r>
-              <a:rPr lang="pt-PT" sz="1400" dirty="0"/>
-              <a:t> </a:t>
-            </a:r>
-            <a:r>
-              <a:rPr lang="pt-PT" sz="1400" dirty="0" smtClean="0"/>
-              <a:t> </a:t>
-            </a:r>
-            <a:r>
-              <a:rPr lang="pt-PT" sz="1400" dirty="0" err="1" smtClean="0"/>
-              <a:t>op.OnCancel</a:t>
-            </a:r>
-            <a:r>
-              <a:rPr lang="pt-PT" sz="1400" dirty="0" smtClean="0"/>
-              <a:t>();</a:t>
-            </a:r>
-          </a:p>
-          <a:p>
-            <a:r>
-              <a:rPr lang="pt-PT" sz="1400" dirty="0" smtClean="0"/>
-              <a:t>        </a:t>
-            </a:r>
-          </a:p>
-          <a:p>
-            <a:r>
-              <a:rPr lang="pt-PT" sz="1400" dirty="0" smtClean="0"/>
-              <a:t>   </a:t>
-            </a:r>
-            <a:endParaRPr lang="pt-PT" sz="1400" dirty="0"/>
-          </a:p>
-        </p:txBody>
-      </p:sp>
-      <p:sp>
-        <p:nvSpPr>
-          <p:cNvPr id="13" name="Seta para a direita 12"/>
-          <p:cNvSpPr/>
-          <p:nvPr/>
-        </p:nvSpPr>
-        <p:spPr>
-          <a:xfrm rot="19262307">
-            <a:off x="3227821" y="3579294"/>
-            <a:ext cx="1230333" cy="296237"/>
-          </a:xfrm>
-          <a:prstGeom prst="rightArrow">
-            <a:avLst/>
+          <a:prstGeom prst="bentUpArrow">
+            <a:avLst>
+              <a:gd name="adj1" fmla="val 25000"/>
+              <a:gd name="adj2" fmla="val 25000"/>
+              <a:gd name="adj3" fmla="val 25000"/>
+            </a:avLst>
           </a:prstGeom>
         </p:spPr>
         <p:style>
-          <a:lnRef idx="2">
-            <a:schemeClr val="accent1">
-              <a:shade val="50000"/>
-            </a:schemeClr>
+          <a:lnRef idx="1">
+            <a:schemeClr val="accent1"/>
           </a:lnRef>
-          <a:fillRef idx="1">
+          <a:fillRef idx="3">
             <a:schemeClr val="accent1"/>
           </a:fillRef>
-          <a:effectRef idx="0">
+          <a:effectRef idx="2">
             <a:schemeClr val="accent1"/>
           </a:effectRef>
           <a:fontRef idx="minor">
@@ -6622,59 +5500,31 @@
       </p:sp>
       <p:sp>
         <p:nvSpPr>
-          <p:cNvPr id="14" name="CaixaDeTexto 13"/>
-          <p:cNvSpPr txBox="1"/>
-          <p:nvPr/>
-        </p:nvSpPr>
-        <p:spPr>
-          <a:xfrm rot="19218955">
-            <a:off x="-467551" y="4448135"/>
-            <a:ext cx="5479971" cy="369332"/>
-          </a:xfrm>
-          <a:prstGeom prst="rect">
-            <a:avLst/>
-          </a:prstGeom>
-          <a:noFill/>
-        </p:spPr>
-        <p:txBody>
-          <a:bodyPr wrap="square" rtlCol="0">
-            <a:spAutoFit/>
-          </a:bodyPr>
-          <a:lstStyle/>
-          <a:p>
-            <a:r>
-              <a:rPr lang="pt-PT" dirty="0" smtClean="0"/>
-              <a:t>Antes da chamada à operação assíncrona </a:t>
-            </a:r>
-            <a:endParaRPr lang="pt-PT" dirty="0"/>
-          </a:p>
-        </p:txBody>
-      </p:sp>
-      <p:sp>
-        <p:nvSpPr>
-          <p:cNvPr id="19" name="Seta para a direita 18"/>
+          <p:cNvPr id="28" name="Seta em ângulo recto para cima 27"/>
           <p:cNvSpPr/>
           <p:nvPr/>
         </p:nvSpPr>
         <p:spPr>
-          <a:xfrm rot="1045982">
-            <a:off x="2203754" y="5606330"/>
-            <a:ext cx="1230333" cy="296237"/>
+          <a:xfrm rot="5400000">
+            <a:off x="4644008" y="4797152"/>
+            <a:ext cx="576064" cy="2592288"/>
           </a:xfrm>
-          <a:prstGeom prst="rightArrow">
-            <a:avLst/>
+          <a:prstGeom prst="bentUpArrow">
+            <a:avLst>
+              <a:gd name="adj1" fmla="val 25000"/>
+              <a:gd name="adj2" fmla="val 24045"/>
+              <a:gd name="adj3" fmla="val 25000"/>
+            </a:avLst>
           </a:prstGeom>
         </p:spPr>
         <p:style>
-          <a:lnRef idx="2">
-            <a:schemeClr val="accent1">
-              <a:shade val="50000"/>
-            </a:schemeClr>
+          <a:lnRef idx="1">
+            <a:schemeClr val="accent1"/>
           </a:lnRef>
-          <a:fillRef idx="1">
+          <a:fillRef idx="3">
             <a:schemeClr val="accent1"/>
           </a:fillRef>
-          <a:effectRef idx="0">
+          <a:effectRef idx="2">
             <a:schemeClr val="accent1"/>
           </a:effectRef>
           <a:fontRef idx="minor">
@@ -6687,36 +5537,6 @@
           <a:p>
             <a:pPr algn="ctr"/>
             <a:endParaRPr lang="pt-PT"/>
-          </a:p>
-        </p:txBody>
-      </p:sp>
-      <p:sp>
-        <p:nvSpPr>
-          <p:cNvPr id="20" name="CaixaDeTexto 19"/>
-          <p:cNvSpPr txBox="1"/>
-          <p:nvPr/>
-        </p:nvSpPr>
-        <p:spPr>
-          <a:xfrm>
-            <a:off x="0" y="5229200"/>
-            <a:ext cx="3744416" cy="369332"/>
-          </a:xfrm>
-          <a:prstGeom prst="rect">
-            <a:avLst/>
-          </a:prstGeom>
-          <a:noFill/>
-        </p:spPr>
-        <p:txBody>
-          <a:bodyPr wrap="square" rtlCol="0">
-            <a:spAutoFit/>
-          </a:bodyPr>
-          <a:lstStyle/>
-          <a:p>
-            <a:r>
-              <a:rPr lang="pt-PT" dirty="0" smtClean="0"/>
-              <a:t>Após a operação assíncrona </a:t>
-            </a:r>
-            <a:endParaRPr lang="pt-PT" dirty="0"/>
           </a:p>
         </p:txBody>
       </p:sp>
@@ -6731,286 +5551,9 @@
   <p:timing>
     <p:tnLst>
       <p:par>
-        <p:cTn id="1" dur="indefinite" restart="never" nodeType="tmRoot">
-          <p:childTnLst>
-            <p:seq concurrent="1" nextAc="seek">
-              <p:cTn id="2" dur="indefinite" nodeType="mainSeq">
-                <p:childTnLst>
-                  <p:par>
-                    <p:cTn id="3" fill="hold">
-                      <p:stCondLst>
-                        <p:cond delay="indefinite"/>
-                      </p:stCondLst>
-                      <p:childTnLst>
-                        <p:par>
-                          <p:cTn id="4" fill="hold">
-                            <p:stCondLst>
-                              <p:cond delay="0"/>
-                            </p:stCondLst>
-                            <p:childTnLst>
-                              <p:par>
-                                <p:cTn id="5" presetID="4" presetClass="entr" presetSubtype="16" fill="hold" grpId="0" nodeType="clickEffect">
-                                  <p:stCondLst>
-                                    <p:cond delay="0"/>
-                                  </p:stCondLst>
-                                  <p:childTnLst>
-                                    <p:set>
-                                      <p:cBhvr>
-                                        <p:cTn id="6" dur="1" fill="hold">
-                                          <p:stCondLst>
-                                            <p:cond delay="0"/>
-                                          </p:stCondLst>
-                                        </p:cTn>
-                                        <p:tgtEl>
-                                          <p:spTgt spid="13"/>
-                                        </p:tgtEl>
-                                        <p:attrNameLst>
-                                          <p:attrName>style.visibility</p:attrName>
-                                        </p:attrNameLst>
-                                      </p:cBhvr>
-                                      <p:to>
-                                        <p:strVal val="visible"/>
-                                      </p:to>
-                                    </p:set>
-                                    <p:animEffect transition="in" filter="box(in)">
-                                      <p:cBhvr>
-                                        <p:cTn id="7" dur="500"/>
-                                        <p:tgtEl>
-                                          <p:spTgt spid="13"/>
-                                        </p:tgtEl>
-                                      </p:cBhvr>
-                                    </p:animEffect>
-                                  </p:childTnLst>
-                                </p:cTn>
-                              </p:par>
-                              <p:par>
-                                <p:cTn id="8" presetID="4" presetClass="entr" presetSubtype="16" fill="hold" grpId="0" nodeType="withEffect">
-                                  <p:stCondLst>
-                                    <p:cond delay="0"/>
-                                  </p:stCondLst>
-                                  <p:childTnLst>
-                                    <p:set>
-                                      <p:cBhvr>
-                                        <p:cTn id="9" dur="1" fill="hold">
-                                          <p:stCondLst>
-                                            <p:cond delay="0"/>
-                                          </p:stCondLst>
-                                        </p:cTn>
-                                        <p:tgtEl>
-                                          <p:spTgt spid="14"/>
-                                        </p:tgtEl>
-                                        <p:attrNameLst>
-                                          <p:attrName>style.visibility</p:attrName>
-                                        </p:attrNameLst>
-                                      </p:cBhvr>
-                                      <p:to>
-                                        <p:strVal val="visible"/>
-                                      </p:to>
-                                    </p:set>
-                                    <p:animEffect transition="in" filter="box(in)">
-                                      <p:cBhvr>
-                                        <p:cTn id="10" dur="500"/>
-                                        <p:tgtEl>
-                                          <p:spTgt spid="14"/>
-                                        </p:tgtEl>
-                                      </p:cBhvr>
-                                    </p:animEffect>
-                                  </p:childTnLst>
-                                </p:cTn>
-                              </p:par>
-                            </p:childTnLst>
-                          </p:cTn>
-                        </p:par>
-                      </p:childTnLst>
-                    </p:cTn>
-                  </p:par>
-                  <p:par>
-                    <p:cTn id="11" fill="hold">
-                      <p:stCondLst>
-                        <p:cond delay="indefinite"/>
-                      </p:stCondLst>
-                      <p:childTnLst>
-                        <p:par>
-                          <p:cTn id="12" fill="hold">
-                            <p:stCondLst>
-                              <p:cond delay="0"/>
-                            </p:stCondLst>
-                            <p:childTnLst>
-                              <p:par>
-                                <p:cTn id="13" presetID="4" presetClass="exit" presetSubtype="16" fill="hold" grpId="1" nodeType="clickEffect">
-                                  <p:stCondLst>
-                                    <p:cond delay="0"/>
-                                  </p:stCondLst>
-                                  <p:childTnLst>
-                                    <p:animEffect transition="out" filter="box(in)">
-                                      <p:cBhvr>
-                                        <p:cTn id="14" dur="500"/>
-                                        <p:tgtEl>
-                                          <p:spTgt spid="13"/>
-                                        </p:tgtEl>
-                                      </p:cBhvr>
-                                    </p:animEffect>
-                                    <p:set>
-                                      <p:cBhvr>
-                                        <p:cTn id="15" dur="1" fill="hold">
-                                          <p:stCondLst>
-                                            <p:cond delay="499"/>
-                                          </p:stCondLst>
-                                        </p:cTn>
-                                        <p:tgtEl>
-                                          <p:spTgt spid="13"/>
-                                        </p:tgtEl>
-                                        <p:attrNameLst>
-                                          <p:attrName>style.visibility</p:attrName>
-                                        </p:attrNameLst>
-                                      </p:cBhvr>
-                                      <p:to>
-                                        <p:strVal val="hidden"/>
-                                      </p:to>
-                                    </p:set>
-                                  </p:childTnLst>
-                                </p:cTn>
-                              </p:par>
-                              <p:par>
-                                <p:cTn id="16" presetID="4" presetClass="exit" presetSubtype="16" fill="hold" grpId="1" nodeType="withEffect">
-                                  <p:stCondLst>
-                                    <p:cond delay="0"/>
-                                  </p:stCondLst>
-                                  <p:childTnLst>
-                                    <p:animEffect transition="out" filter="box(in)">
-                                      <p:cBhvr>
-                                        <p:cTn id="17" dur="500"/>
-                                        <p:tgtEl>
-                                          <p:spTgt spid="14"/>
-                                        </p:tgtEl>
-                                      </p:cBhvr>
-                                    </p:animEffect>
-                                    <p:set>
-                                      <p:cBhvr>
-                                        <p:cTn id="18" dur="1" fill="hold">
-                                          <p:stCondLst>
-                                            <p:cond delay="499"/>
-                                          </p:stCondLst>
-                                        </p:cTn>
-                                        <p:tgtEl>
-                                          <p:spTgt spid="14"/>
-                                        </p:tgtEl>
-                                        <p:attrNameLst>
-                                          <p:attrName>style.visibility</p:attrName>
-                                        </p:attrNameLst>
-                                      </p:cBhvr>
-                                      <p:to>
-                                        <p:strVal val="hidden"/>
-                                      </p:to>
-                                    </p:set>
-                                  </p:childTnLst>
-                                </p:cTn>
-                              </p:par>
-                              <p:par>
-                                <p:cTn id="19" presetID="4" presetClass="entr" presetSubtype="16" fill="hold" grpId="0" nodeType="withEffect">
-                                  <p:stCondLst>
-                                    <p:cond delay="0"/>
-                                  </p:stCondLst>
-                                  <p:childTnLst>
-                                    <p:set>
-                                      <p:cBhvr>
-                                        <p:cTn id="20" dur="1" fill="hold">
-                                          <p:stCondLst>
-                                            <p:cond delay="0"/>
-                                          </p:stCondLst>
-                                        </p:cTn>
-                                        <p:tgtEl>
-                                          <p:spTgt spid="19"/>
-                                        </p:tgtEl>
-                                        <p:attrNameLst>
-                                          <p:attrName>style.visibility</p:attrName>
-                                        </p:attrNameLst>
-                                      </p:cBhvr>
-                                      <p:to>
-                                        <p:strVal val="visible"/>
-                                      </p:to>
-                                    </p:set>
-                                    <p:animEffect transition="in" filter="box(in)">
-                                      <p:cBhvr>
-                                        <p:cTn id="21" dur="500"/>
-                                        <p:tgtEl>
-                                          <p:spTgt spid="19"/>
-                                        </p:tgtEl>
-                                      </p:cBhvr>
-                                    </p:animEffect>
-                                  </p:childTnLst>
-                                </p:cTn>
-                              </p:par>
-                              <p:par>
-                                <p:cTn id="22" presetID="4" presetClass="entr" presetSubtype="16" fill="hold" grpId="0" nodeType="withEffect">
-                                  <p:stCondLst>
-                                    <p:cond delay="0"/>
-                                  </p:stCondLst>
-                                  <p:childTnLst>
-                                    <p:set>
-                                      <p:cBhvr>
-                                        <p:cTn id="23" dur="1" fill="hold">
-                                          <p:stCondLst>
-                                            <p:cond delay="0"/>
-                                          </p:stCondLst>
-                                        </p:cTn>
-                                        <p:tgtEl>
-                                          <p:spTgt spid="20"/>
-                                        </p:tgtEl>
-                                        <p:attrNameLst>
-                                          <p:attrName>style.visibility</p:attrName>
-                                        </p:attrNameLst>
-                                      </p:cBhvr>
-                                      <p:to>
-                                        <p:strVal val="visible"/>
-                                      </p:to>
-                                    </p:set>
-                                    <p:animEffect transition="in" filter="box(in)">
-                                      <p:cBhvr>
-                                        <p:cTn id="24" dur="500"/>
-                                        <p:tgtEl>
-                                          <p:spTgt spid="20"/>
-                                        </p:tgtEl>
-                                      </p:cBhvr>
-                                    </p:animEffect>
-                                  </p:childTnLst>
-                                </p:cTn>
-                              </p:par>
-                            </p:childTnLst>
-                          </p:cTn>
-                        </p:par>
-                      </p:childTnLst>
-                    </p:cTn>
-                  </p:par>
-                </p:childTnLst>
-              </p:cTn>
-              <p:prevCondLst>
-                <p:cond evt="onPrev" delay="0">
-                  <p:tgtEl>
-                    <p:sldTgt/>
-                  </p:tgtEl>
-                </p:cond>
-              </p:prevCondLst>
-              <p:nextCondLst>
-                <p:cond evt="onNext" delay="0">
-                  <p:tgtEl>
-                    <p:sldTgt/>
-                  </p:tgtEl>
-                </p:cond>
-              </p:nextCondLst>
-            </p:seq>
-          </p:childTnLst>
-        </p:cTn>
+        <p:cTn id="1" dur="indefinite" restart="never" nodeType="tmRoot"/>
       </p:par>
     </p:tnLst>
-    <p:bldLst>
-      <p:bldP spid="13" grpId="0" animBg="1"/>
-      <p:bldP spid="13" grpId="1" animBg="1"/>
-      <p:bldP spid="14" grpId="0"/>
-      <p:bldP spid="14" grpId="1"/>
-      <p:bldP spid="19" grpId="0" animBg="1"/>
-      <p:bldP spid="20" grpId="0"/>
-    </p:bldLst>
   </p:timing>
 </p:sld>
 </file>
@@ -7130,7 +5673,23 @@
             </a:r>
             <a:r>
               <a:rPr lang="pt-PT" sz="2400" dirty="0" smtClean="0"/>
-              <a:t> ()=&gt;{}</a:t>
+              <a:t> ()=&gt;{</a:t>
+            </a:r>
+            <a:r>
+              <a:rPr lang="pt-PT" sz="2400" dirty="0" err="1" smtClean="0"/>
+              <a:t>await</a:t>
+            </a:r>
+            <a:r>
+              <a:rPr lang="pt-PT" sz="2400" dirty="0" smtClean="0"/>
+              <a:t> </a:t>
+            </a:r>
+            <a:r>
+              <a:rPr lang="pt-PT" sz="2400" dirty="0" err="1" smtClean="0"/>
+              <a:t>op</a:t>
+            </a:r>
+            <a:r>
+              <a:rPr lang="pt-PT" sz="2400" dirty="0" smtClean="0"/>
+              <a:t>();}</a:t>
             </a:r>
             <a:endParaRPr lang="pt-PT" dirty="0" smtClean="0"/>
           </a:p>
@@ -7153,9 +5712,16 @@
             </a:pPr>
             <a:r>
               <a:rPr lang="pt-PT" dirty="0" smtClean="0"/>
-              <a:t>Não existe espera pela conclusão de uma operação assíncrona.</a:t>
-            </a:r>
-            <a:endParaRPr lang="pt-PT" dirty="0" smtClean="0"/>
+              <a:t>Não existe </a:t>
+            </a:r>
+            <a:r>
+              <a:rPr lang="pt-PT" sz="3300" b="1" dirty="0" smtClean="0"/>
+              <a:t>espera</a:t>
+            </a:r>
+            <a:r>
+              <a:rPr lang="pt-PT" dirty="0" smtClean="0"/>
+              <a:t> pela conclusão de uma operação assíncrona.</a:t>
+            </a:r>
           </a:p>
           <a:p>
             <a:endParaRPr lang="pt-PT" i="1" dirty="0" smtClean="0"/>
@@ -7249,7 +5815,7 @@
           <a:p>
             <a:r>
               <a:rPr lang="pt-PT" sz="2800" dirty="0" smtClean="0"/>
-              <a:t>Funciona à base de um contracto</a:t>
+              <a:t>Funciona à base de um contrato</a:t>
             </a:r>
           </a:p>
           <a:p>
@@ -7342,7 +5908,7 @@
             </a:r>
             <a:r>
               <a:rPr lang="en-US" sz="2800" dirty="0" smtClean="0"/>
-              <a:t> 3 </a:t>
+              <a:t> 4 </a:t>
             </a:r>
             <a:r>
               <a:rPr lang="en-US" sz="2800" dirty="0" err="1" smtClean="0"/>
@@ -7374,11 +5940,7 @@
             </a:r>
             <a:r>
               <a:rPr lang="pt-PT" sz="1800" dirty="0" smtClean="0"/>
-              <a:t> </a:t>
-            </a:r>
-            <a:r>
-              <a:rPr lang="pt-PT" sz="1800" dirty="0" smtClean="0"/>
-              <a:t>– </a:t>
+              <a:t> – “</a:t>
             </a:r>
             <a:r>
               <a:rPr lang="pt-PT" sz="1800" dirty="0" err="1" smtClean="0"/>
@@ -7402,7 +5964,7 @@
             </a:r>
             <a:r>
               <a:rPr lang="pt-PT" sz="1800" dirty="0" smtClean="0"/>
-              <a:t>.</a:t>
+              <a:t>”.</a:t>
             </a:r>
           </a:p>
           <a:p>
@@ -7411,7 +5973,10 @@
               <a:rPr lang="pt-PT" sz="1800" dirty="0" err="1" smtClean="0"/>
               <a:t>Task</a:t>
             </a:r>
-            <a:endParaRPr lang="pt-PT" sz="1800" dirty="0" smtClean="0"/>
+            <a:r>
+              <a:rPr lang="pt-PT" sz="1800" dirty="0" smtClean="0"/>
+              <a:t> </a:t>
+            </a:r>
           </a:p>
           <a:p>
             <a:pPr lvl="1"/>
@@ -7423,11 +5988,14 @@
               <a:rPr lang="pt-PT" sz="1800" dirty="0" smtClean="0"/>
               <a:t>&gt;</a:t>
             </a:r>
-            <a:endParaRPr lang="pt-PT" sz="1800" dirty="0" smtClean="0"/>
+            <a:endParaRPr lang="pt-PT" dirty="0" smtClean="0"/>
           </a:p>
           <a:p>
             <a:pPr lvl="1"/>
-            <a:endParaRPr lang="pt-PT" dirty="0"/>
+            <a:r>
+              <a:rPr lang="pt-PT" sz="1800" dirty="0" smtClean="0"/>
+              <a:t>Um Objecto que cumpra o contracto.</a:t>
+            </a:r>
           </a:p>
         </p:txBody>
       </p:sp>
